--- a/Presentation.pptx
+++ b/Presentation.pptx
@@ -14,20 +14,30 @@
     <p:sldId id="263" r:id="rId8"/>
     <p:sldId id="264" r:id="rId9"/>
     <p:sldId id="265" r:id="rId10"/>
-    <p:sldId id="266" r:id="rId11"/>
-    <p:sldId id="267" r:id="rId12"/>
-    <p:sldId id="268" r:id="rId13"/>
-    <p:sldId id="269" r:id="rId14"/>
-    <p:sldId id="271" r:id="rId15"/>
-    <p:sldId id="272" r:id="rId16"/>
-    <p:sldId id="260" r:id="rId17"/>
-    <p:sldId id="273" r:id="rId18"/>
-    <p:sldId id="274" r:id="rId19"/>
-    <p:sldId id="275" r:id="rId20"/>
-    <p:sldId id="276" r:id="rId21"/>
-    <p:sldId id="277" r:id="rId22"/>
-    <p:sldId id="278" r:id="rId23"/>
-    <p:sldId id="279" r:id="rId24"/>
+    <p:sldId id="280" r:id="rId11"/>
+    <p:sldId id="266" r:id="rId12"/>
+    <p:sldId id="281" r:id="rId13"/>
+    <p:sldId id="267" r:id="rId14"/>
+    <p:sldId id="268" r:id="rId15"/>
+    <p:sldId id="269" r:id="rId16"/>
+    <p:sldId id="271" r:id="rId17"/>
+    <p:sldId id="272" r:id="rId18"/>
+    <p:sldId id="260" r:id="rId19"/>
+    <p:sldId id="273" r:id="rId20"/>
+    <p:sldId id="274" r:id="rId21"/>
+    <p:sldId id="275" r:id="rId22"/>
+    <p:sldId id="276" r:id="rId23"/>
+    <p:sldId id="277" r:id="rId24"/>
+    <p:sldId id="278" r:id="rId25"/>
+    <p:sldId id="282" r:id="rId26"/>
+    <p:sldId id="283" r:id="rId27"/>
+    <p:sldId id="279" r:id="rId28"/>
+    <p:sldId id="285" r:id="rId29"/>
+    <p:sldId id="286" r:id="rId30"/>
+    <p:sldId id="287" r:id="rId31"/>
+    <p:sldId id="288" r:id="rId32"/>
+    <p:sldId id="284" r:id="rId33"/>
+    <p:sldId id="289" r:id="rId34"/>
   </p:sldIdLst>
   <p:sldSz cx="12192000" cy="6858000"/>
   <p:notesSz cx="6858000" cy="9144000"/>
@@ -265,7 +275,7 @@
           <a:p>
             <a:fld id="{CF746985-0C0A-446F-9BF5-045C15D1A98C}" type="datetimeFigureOut">
               <a:rPr lang="en-US" smtClean="0"/>
-              <a:t>4/23/2019</a:t>
+              <a:t>5/1/2019</a:t>
             </a:fld>
             <a:endParaRPr lang="en-US"/>
           </a:p>
@@ -435,7 +445,7 @@
           <a:p>
             <a:fld id="{CF746985-0C0A-446F-9BF5-045C15D1A98C}" type="datetimeFigureOut">
               <a:rPr lang="en-US" smtClean="0"/>
-              <a:t>4/23/2019</a:t>
+              <a:t>5/1/2019</a:t>
             </a:fld>
             <a:endParaRPr lang="en-US"/>
           </a:p>
@@ -615,7 +625,7 @@
           <a:p>
             <a:fld id="{CF746985-0C0A-446F-9BF5-045C15D1A98C}" type="datetimeFigureOut">
               <a:rPr lang="en-US" smtClean="0"/>
-              <a:t>4/23/2019</a:t>
+              <a:t>5/1/2019</a:t>
             </a:fld>
             <a:endParaRPr lang="en-US"/>
           </a:p>
@@ -785,7 +795,7 @@
           <a:p>
             <a:fld id="{CF746985-0C0A-446F-9BF5-045C15D1A98C}" type="datetimeFigureOut">
               <a:rPr lang="en-US" smtClean="0"/>
-              <a:t>4/23/2019</a:t>
+              <a:t>5/1/2019</a:t>
             </a:fld>
             <a:endParaRPr lang="en-US"/>
           </a:p>
@@ -1031,7 +1041,7 @@
           <a:p>
             <a:fld id="{CF746985-0C0A-446F-9BF5-045C15D1A98C}" type="datetimeFigureOut">
               <a:rPr lang="en-US" smtClean="0"/>
-              <a:t>4/23/2019</a:t>
+              <a:t>5/1/2019</a:t>
             </a:fld>
             <a:endParaRPr lang="en-US"/>
           </a:p>
@@ -1263,7 +1273,7 @@
           <a:p>
             <a:fld id="{CF746985-0C0A-446F-9BF5-045C15D1A98C}" type="datetimeFigureOut">
               <a:rPr lang="en-US" smtClean="0"/>
-              <a:t>4/23/2019</a:t>
+              <a:t>5/1/2019</a:t>
             </a:fld>
             <a:endParaRPr lang="en-US"/>
           </a:p>
@@ -1630,7 +1640,7 @@
           <a:p>
             <a:fld id="{CF746985-0C0A-446F-9BF5-045C15D1A98C}" type="datetimeFigureOut">
               <a:rPr lang="en-US" smtClean="0"/>
-              <a:t>4/23/2019</a:t>
+              <a:t>5/1/2019</a:t>
             </a:fld>
             <a:endParaRPr lang="en-US"/>
           </a:p>
@@ -1748,7 +1758,7 @@
           <a:p>
             <a:fld id="{CF746985-0C0A-446F-9BF5-045C15D1A98C}" type="datetimeFigureOut">
               <a:rPr lang="en-US" smtClean="0"/>
-              <a:t>4/23/2019</a:t>
+              <a:t>5/1/2019</a:t>
             </a:fld>
             <a:endParaRPr lang="en-US"/>
           </a:p>
@@ -1843,7 +1853,7 @@
           <a:p>
             <a:fld id="{CF746985-0C0A-446F-9BF5-045C15D1A98C}" type="datetimeFigureOut">
               <a:rPr lang="en-US" smtClean="0"/>
-              <a:t>4/23/2019</a:t>
+              <a:t>5/1/2019</a:t>
             </a:fld>
             <a:endParaRPr lang="en-US"/>
           </a:p>
@@ -2120,7 +2130,7 @@
           <a:p>
             <a:fld id="{CF746985-0C0A-446F-9BF5-045C15D1A98C}" type="datetimeFigureOut">
               <a:rPr lang="en-US" smtClean="0"/>
-              <a:t>4/23/2019</a:t>
+              <a:t>5/1/2019</a:t>
             </a:fld>
             <a:endParaRPr lang="en-US"/>
           </a:p>
@@ -2373,7 +2383,7 @@
           <a:p>
             <a:fld id="{CF746985-0C0A-446F-9BF5-045C15D1A98C}" type="datetimeFigureOut">
               <a:rPr lang="en-US" smtClean="0"/>
-              <a:t>4/23/2019</a:t>
+              <a:t>5/1/2019</a:t>
             </a:fld>
             <a:endParaRPr lang="en-US"/>
           </a:p>
@@ -2586,7 +2596,7 @@
           <a:p>
             <a:fld id="{CF746985-0C0A-446F-9BF5-045C15D1A98C}" type="datetimeFigureOut">
               <a:rPr lang="en-US" smtClean="0"/>
-              <a:t>4/23/2019</a:t>
+              <a:t>5/1/2019</a:t>
             </a:fld>
             <a:endParaRPr lang="en-US"/>
           </a:p>
@@ -3001,7 +3011,12 @@
             <p:ph type="ctrTitle"/>
           </p:nvPr>
         </p:nvSpPr>
-        <p:spPr/>
+        <p:spPr>
+          <a:xfrm>
+            <a:off x="1515291" y="408259"/>
+            <a:ext cx="8769531" cy="3083878"/>
+          </a:xfrm>
+        </p:spPr>
         <p:txBody>
           <a:bodyPr>
             <a:normAutofit fontScale="90000"/>
@@ -3009,8 +3024,230 @@
           <a:lstStyle/>
           <a:p>
             <a:r>
+              <a:rPr lang="en-US" b="1" u="sng" dirty="0" smtClean="0">
+                <a:ln w="22225">
+                  <a:solidFill>
+                    <a:schemeClr val="accent2"/>
+                  </a:solidFill>
+                  <a:prstDash val="solid"/>
+                </a:ln>
+                <a:solidFill>
+                  <a:schemeClr val="accent2">
+                    <a:lumMod val="40000"/>
+                    <a:lumOff val="60000"/>
+                  </a:schemeClr>
+                </a:solidFill>
+              </a:rPr>
+              <a:t>Used Car Sale Price Prediction</a:t>
+            </a:r>
+            <a:r>
               <a:rPr lang="en-US" dirty="0" smtClean="0"/>
-              <a:t>Used Car Sale Price Prediction</a:t>
+              <a:t/>
+            </a:r>
+            <a:br>
+              <a:rPr lang="en-US" dirty="0" smtClean="0"/>
+            </a:br>
+            <a:r>
+              <a:rPr lang="en-US" sz="3600" i="1" dirty="0" smtClean="0">
+                <a:ln w="0">
+                  <a:solidFill>
+                    <a:schemeClr val="accent6">
+                      <a:lumMod val="75000"/>
+                    </a:schemeClr>
+                  </a:solidFill>
+                </a:ln>
+                <a:solidFill>
+                  <a:schemeClr val="accent1"/>
+                </a:solidFill>
+                <a:effectLst>
+                  <a:outerShdw blurRad="38100" dist="25400" dir="5400000" algn="ctr" rotWithShape="0">
+                    <a:srgbClr val="6E747A">
+                      <a:alpha val="43000"/>
+                    </a:srgbClr>
+                  </a:outerShdw>
+                </a:effectLst>
+              </a:rPr>
+              <a:t>(Using </a:t>
+            </a:r>
+            <a:r>
+              <a:rPr lang="en-US" sz="3600" i="1" dirty="0" err="1" smtClean="0">
+                <a:ln w="0">
+                  <a:solidFill>
+                    <a:schemeClr val="accent6">
+                      <a:lumMod val="75000"/>
+                    </a:schemeClr>
+                  </a:solidFill>
+                </a:ln>
+                <a:solidFill>
+                  <a:schemeClr val="accent1"/>
+                </a:solidFill>
+                <a:effectLst>
+                  <a:outerShdw blurRad="38100" dist="25400" dir="5400000" algn="ctr" rotWithShape="0">
+                    <a:srgbClr val="6E747A">
+                      <a:alpha val="43000"/>
+                    </a:srgbClr>
+                  </a:outerShdw>
+                </a:effectLst>
+              </a:rPr>
+              <a:t>Python,Pandas,Matplotlib</a:t>
+            </a:r>
+            <a:r>
+              <a:rPr lang="en-US" sz="3600" i="1" dirty="0" smtClean="0">
+                <a:ln w="0">
+                  <a:solidFill>
+                    <a:schemeClr val="accent6">
+                      <a:lumMod val="75000"/>
+                    </a:schemeClr>
+                  </a:solidFill>
+                </a:ln>
+                <a:solidFill>
+                  <a:schemeClr val="accent1"/>
+                </a:solidFill>
+                <a:effectLst>
+                  <a:outerShdw blurRad="38100" dist="25400" dir="5400000" algn="ctr" rotWithShape="0">
+                    <a:srgbClr val="6E747A">
+                      <a:alpha val="43000"/>
+                    </a:srgbClr>
+                  </a:outerShdw>
+                </a:effectLst>
+              </a:rPr>
+              <a:t>, Seaborn, </a:t>
+            </a:r>
+            <a:r>
+              <a:rPr lang="en-US" sz="3600" i="1" dirty="0" err="1" smtClean="0">
+                <a:ln w="0">
+                  <a:solidFill>
+                    <a:schemeClr val="accent6">
+                      <a:lumMod val="75000"/>
+                    </a:schemeClr>
+                  </a:solidFill>
+                </a:ln>
+                <a:solidFill>
+                  <a:schemeClr val="accent1"/>
+                </a:solidFill>
+                <a:effectLst>
+                  <a:outerShdw blurRad="38100" dist="25400" dir="5400000" algn="ctr" rotWithShape="0">
+                    <a:srgbClr val="6E747A">
+                      <a:alpha val="43000"/>
+                    </a:srgbClr>
+                  </a:outerShdw>
+                </a:effectLst>
+              </a:rPr>
+              <a:t>sklearn</a:t>
+            </a:r>
+            <a:r>
+              <a:rPr lang="en-US" sz="3600" i="1" dirty="0" smtClean="0">
+                <a:ln w="0">
+                  <a:solidFill>
+                    <a:schemeClr val="accent6">
+                      <a:lumMod val="75000"/>
+                    </a:schemeClr>
+                  </a:solidFill>
+                </a:ln>
+                <a:solidFill>
+                  <a:schemeClr val="accent1"/>
+                </a:solidFill>
+                <a:effectLst>
+                  <a:outerShdw blurRad="38100" dist="25400" dir="5400000" algn="ctr" rotWithShape="0">
+                    <a:srgbClr val="6E747A">
+                      <a:alpha val="43000"/>
+                    </a:srgbClr>
+                  </a:outerShdw>
+                </a:effectLst>
+              </a:rPr>
+              <a:t>, </a:t>
+            </a:r>
+            <a:r>
+              <a:rPr lang="en-US" sz="3600" i="1" dirty="0" err="1" smtClean="0">
+                <a:ln w="0">
+                  <a:solidFill>
+                    <a:schemeClr val="accent6">
+                      <a:lumMod val="75000"/>
+                    </a:schemeClr>
+                  </a:solidFill>
+                </a:ln>
+                <a:solidFill>
+                  <a:schemeClr val="accent1"/>
+                </a:solidFill>
+                <a:effectLst>
+                  <a:outerShdw blurRad="38100" dist="25400" dir="5400000" algn="ctr" rotWithShape="0">
+                    <a:srgbClr val="6E747A">
+                      <a:alpha val="43000"/>
+                    </a:srgbClr>
+                  </a:outerShdw>
+                </a:effectLst>
+              </a:rPr>
+              <a:t>MySQL,SQLAlchemy</a:t>
+            </a:r>
+            <a:r>
+              <a:rPr lang="en-US" sz="3600" i="1" dirty="0" smtClean="0">
+                <a:ln w="0">
+                  <a:solidFill>
+                    <a:schemeClr val="accent6">
+                      <a:lumMod val="75000"/>
+                    </a:schemeClr>
+                  </a:solidFill>
+                </a:ln>
+                <a:solidFill>
+                  <a:schemeClr val="accent1"/>
+                </a:solidFill>
+                <a:effectLst>
+                  <a:outerShdw blurRad="38100" dist="25400" dir="5400000" algn="ctr" rotWithShape="0">
+                    <a:srgbClr val="6E747A">
+                      <a:alpha val="43000"/>
+                    </a:srgbClr>
+                  </a:outerShdw>
+                </a:effectLst>
+              </a:rPr>
+              <a:t>, Flask, </a:t>
+            </a:r>
+            <a:r>
+              <a:rPr lang="en-US" sz="3600" i="1" dirty="0" err="1" smtClean="0">
+                <a:ln w="0">
+                  <a:solidFill>
+                    <a:schemeClr val="accent6">
+                      <a:lumMod val="75000"/>
+                    </a:schemeClr>
+                  </a:solidFill>
+                </a:ln>
+                <a:solidFill>
+                  <a:schemeClr val="accent1"/>
+                </a:solidFill>
+                <a:effectLst>
+                  <a:outerShdw blurRad="38100" dist="25400" dir="5400000" algn="ctr" rotWithShape="0">
+                    <a:srgbClr val="6E747A">
+                      <a:alpha val="43000"/>
+                    </a:srgbClr>
+                  </a:outerShdw>
+                </a:effectLst>
+              </a:rPr>
+              <a:t>html,css</a:t>
+            </a:r>
+            <a:r>
+              <a:rPr lang="en-US" sz="3600" i="1" dirty="0" smtClean="0">
+                <a:ln w="0">
+                  <a:solidFill>
+                    <a:schemeClr val="accent6">
+                      <a:lumMod val="75000"/>
+                    </a:schemeClr>
+                  </a:solidFill>
+                </a:ln>
+                <a:solidFill>
+                  <a:schemeClr val="accent1"/>
+                </a:solidFill>
+                <a:effectLst>
+                  <a:outerShdw blurRad="38100" dist="25400" dir="5400000" algn="ctr" rotWithShape="0">
+                    <a:srgbClr val="6E747A">
+                      <a:alpha val="43000"/>
+                    </a:srgbClr>
+                  </a:outerShdw>
+                </a:effectLst>
+              </a:rPr>
+              <a:t>, Java Script)</a:t>
+            </a:r>
+            <a:r>
+              <a:rPr lang="en-US" dirty="0" smtClean="0"/>
+              <a:t/>
             </a:r>
             <a:br>
               <a:rPr lang="en-US" dirty="0" smtClean="0"/>
@@ -3019,6 +3256,126 @@
           </a:p>
         </p:txBody>
       </p:sp>
+      <p:pic>
+        <p:nvPicPr>
+          <p:cNvPr id="3" name="Picture 2"/>
+          <p:cNvPicPr>
+            <a:picLocks noChangeAspect="1"/>
+          </p:cNvPicPr>
+          <p:nvPr/>
+        </p:nvPicPr>
+        <p:blipFill>
+          <a:blip r:embed="rId2">
+            <a:extLst>
+              <a:ext uri="{28A0092B-C50C-407E-A947-70E740481C1C}">
+                <a14:useLocalDpi xmlns:a14="http://schemas.microsoft.com/office/drawing/2010/main" val="0"/>
+              </a:ext>
+            </a:extLst>
+          </a:blip>
+          <a:stretch>
+            <a:fillRect/>
+          </a:stretch>
+        </p:blipFill>
+        <p:spPr>
+          <a:xfrm>
+            <a:off x="6986769" y="3253922"/>
+            <a:ext cx="1669775" cy="905819"/>
+          </a:xfrm>
+          <a:prstGeom prst="rect">
+            <a:avLst/>
+          </a:prstGeom>
+        </p:spPr>
+      </p:pic>
+      <p:pic>
+        <p:nvPicPr>
+          <p:cNvPr id="7" name="Picture 6"/>
+          <p:cNvPicPr>
+            <a:picLocks noChangeAspect="1"/>
+          </p:cNvPicPr>
+          <p:nvPr/>
+        </p:nvPicPr>
+        <p:blipFill>
+          <a:blip r:embed="rId3">
+            <a:extLst>
+              <a:ext uri="{28A0092B-C50C-407E-A947-70E740481C1C}">
+                <a14:useLocalDpi xmlns:a14="http://schemas.microsoft.com/office/drawing/2010/main" val="0"/>
+              </a:ext>
+            </a:extLst>
+          </a:blip>
+          <a:stretch>
+            <a:fillRect/>
+          </a:stretch>
+        </p:blipFill>
+        <p:spPr>
+          <a:xfrm>
+            <a:off x="298439" y="2927036"/>
+            <a:ext cx="2962275" cy="1543050"/>
+          </a:xfrm>
+          <a:prstGeom prst="rect">
+            <a:avLst/>
+          </a:prstGeom>
+        </p:spPr>
+      </p:pic>
+      <p:pic>
+        <p:nvPicPr>
+          <p:cNvPr id="10" name="Picture 9"/>
+          <p:cNvPicPr>
+            <a:picLocks noChangeAspect="1"/>
+          </p:cNvPicPr>
+          <p:nvPr/>
+        </p:nvPicPr>
+        <p:blipFill>
+          <a:blip r:embed="rId4">
+            <a:extLst>
+              <a:ext uri="{28A0092B-C50C-407E-A947-70E740481C1C}">
+                <a14:useLocalDpi xmlns:a14="http://schemas.microsoft.com/office/drawing/2010/main" val="0"/>
+              </a:ext>
+            </a:extLst>
+          </a:blip>
+          <a:stretch>
+            <a:fillRect/>
+          </a:stretch>
+        </p:blipFill>
+        <p:spPr>
+          <a:xfrm>
+            <a:off x="3788256" y="3134877"/>
+            <a:ext cx="2234394" cy="1692470"/>
+          </a:xfrm>
+          <a:prstGeom prst="rect">
+            <a:avLst/>
+          </a:prstGeom>
+        </p:spPr>
+      </p:pic>
+      <p:pic>
+        <p:nvPicPr>
+          <p:cNvPr id="11" name="Picture 10"/>
+          <p:cNvPicPr>
+            <a:picLocks noChangeAspect="1"/>
+          </p:cNvPicPr>
+          <p:nvPr/>
+        </p:nvPicPr>
+        <p:blipFill>
+          <a:blip r:embed="rId5">
+            <a:extLst>
+              <a:ext uri="{28A0092B-C50C-407E-A947-70E740481C1C}">
+                <a14:useLocalDpi xmlns:a14="http://schemas.microsoft.com/office/drawing/2010/main" val="0"/>
+              </a:ext>
+            </a:extLst>
+          </a:blip>
+          <a:stretch>
+            <a:fillRect/>
+          </a:stretch>
+        </p:blipFill>
+        <p:spPr>
+          <a:xfrm>
+            <a:off x="9348295" y="2836454"/>
+            <a:ext cx="2153379" cy="2153379"/>
+          </a:xfrm>
+          <a:prstGeom prst="rect">
+            <a:avLst/>
+          </a:prstGeom>
+        </p:spPr>
+      </p:pic>
     </p:spTree>
     <p:extLst>
       <p:ext uri="{BB962C8B-B14F-4D97-AF65-F5344CB8AC3E}">
@@ -3058,7 +3415,7 @@
       </p:grpSpPr>
       <p:pic>
         <p:nvPicPr>
-          <p:cNvPr id="3" name="Picture 2"/>
+          <p:cNvPr id="4" name="Picture 3"/>
           <p:cNvPicPr>
             <a:picLocks noChangeAspect="1"/>
           </p:cNvPicPr>
@@ -3072,63 +3429,66 @@
         </p:blipFill>
         <p:spPr>
           <a:xfrm>
-            <a:off x="4313581" y="53141"/>
-            <a:ext cx="7106479" cy="6804859"/>
+            <a:off x="5111931" y="252924"/>
+            <a:ext cx="4432663" cy="2345349"/>
           </a:xfrm>
           <a:prstGeom prst="rect">
             <a:avLst/>
           </a:prstGeom>
         </p:spPr>
       </p:pic>
-      <p:sp>
-        <p:nvSpPr>
-          <p:cNvPr id="5" name="TextBox 4"/>
-          <p:cNvSpPr txBox="1"/>
+      <p:pic>
+        <p:nvPicPr>
+          <p:cNvPr id="5" name="Picture 4"/>
+          <p:cNvPicPr>
+            <a:picLocks noChangeAspect="1"/>
+          </p:cNvPicPr>
           <p:nvPr/>
-        </p:nvSpPr>
-        <p:spPr>
-          <a:xfrm>
-            <a:off x="427383" y="536713"/>
-            <a:ext cx="1789043" cy="2585323"/>
+        </p:nvPicPr>
+        <p:blipFill>
+          <a:blip r:embed="rId3"/>
+          <a:stretch>
+            <a:fillRect/>
+          </a:stretch>
+        </p:blipFill>
+        <p:spPr>
+          <a:xfrm>
+            <a:off x="386559" y="252924"/>
+            <a:ext cx="3743418" cy="1605269"/>
           </a:xfrm>
           <a:prstGeom prst="rect">
             <a:avLst/>
           </a:prstGeom>
-          <a:noFill/>
-        </p:spPr>
-        <p:txBody>
-          <a:bodyPr wrap="square" rtlCol="0">
-            <a:spAutoFit/>
-          </a:bodyPr>
-          <a:lstStyle/>
-          <a:p>
-            <a:r>
-              <a:rPr lang="en-US" dirty="0" smtClean="0"/>
-              <a:t>Using cross validation scores with </a:t>
-            </a:r>
-            <a:r>
-              <a:rPr lang="en-US" dirty="0" err="1" smtClean="0"/>
-              <a:t>Kfold</a:t>
-            </a:r>
-            <a:r>
-              <a:rPr lang="en-US" dirty="0" smtClean="0"/>
-              <a:t> cross validation, get primary model that gives best </a:t>
-            </a:r>
-            <a:r>
-              <a:rPr lang="en-US" dirty="0" smtClean="0"/>
-              <a:t>results. LR seems to better for now</a:t>
-            </a:r>
-            <a:endParaRPr lang="en-US" dirty="0" smtClean="0"/>
-          </a:p>
-          <a:p>
-            <a:endParaRPr lang="en-US" dirty="0"/>
-          </a:p>
-        </p:txBody>
-      </p:sp>
+        </p:spPr>
+      </p:pic>
+      <p:pic>
+        <p:nvPicPr>
+          <p:cNvPr id="6" name="Picture 5"/>
+          <p:cNvPicPr>
+            <a:picLocks noChangeAspect="1"/>
+          </p:cNvPicPr>
+          <p:nvPr/>
+        </p:nvPicPr>
+        <p:blipFill>
+          <a:blip r:embed="rId4"/>
+          <a:stretch>
+            <a:fillRect/>
+          </a:stretch>
+        </p:blipFill>
+        <p:spPr>
+          <a:xfrm>
+            <a:off x="1559547" y="2598273"/>
+            <a:ext cx="9056201" cy="4002452"/>
+          </a:xfrm>
+          <a:prstGeom prst="rect">
+            <a:avLst/>
+          </a:prstGeom>
+        </p:spPr>
+      </p:pic>
     </p:spTree>
     <p:extLst>
       <p:ext uri="{BB962C8B-B14F-4D97-AF65-F5344CB8AC3E}">
-        <p14:creationId xmlns:p14="http://schemas.microsoft.com/office/powerpoint/2010/main" val="1174279731"/>
+        <p14:creationId xmlns:p14="http://schemas.microsoft.com/office/powerpoint/2010/main" val="2942729780"/>
       </p:ext>
     </p:extLst>
   </p:cSld>
@@ -3178,6 +3538,245 @@
         </p:blipFill>
         <p:spPr>
           <a:xfrm>
+            <a:off x="4313581" y="53141"/>
+            <a:ext cx="7106479" cy="6804859"/>
+          </a:xfrm>
+          <a:prstGeom prst="rect">
+            <a:avLst/>
+          </a:prstGeom>
+        </p:spPr>
+      </p:pic>
+      <p:sp>
+        <p:nvSpPr>
+          <p:cNvPr id="5" name="TextBox 4"/>
+          <p:cNvSpPr txBox="1"/>
+          <p:nvPr/>
+        </p:nvSpPr>
+        <p:spPr>
+          <a:xfrm>
+            <a:off x="1182576" y="1632809"/>
+            <a:ext cx="1789043" cy="2585323"/>
+          </a:xfrm>
+          <a:prstGeom prst="rect">
+            <a:avLst/>
+          </a:prstGeom>
+          <a:noFill/>
+        </p:spPr>
+        <p:txBody>
+          <a:bodyPr wrap="square" rtlCol="0">
+            <a:spAutoFit/>
+          </a:bodyPr>
+          <a:lstStyle/>
+          <a:p>
+            <a:r>
+              <a:rPr lang="en-US" dirty="0" smtClean="0"/>
+              <a:t>Using cross validation scores with </a:t>
+            </a:r>
+            <a:r>
+              <a:rPr lang="en-US" dirty="0" err="1" smtClean="0"/>
+              <a:t>Kfold</a:t>
+            </a:r>
+            <a:r>
+              <a:rPr lang="en-US" dirty="0" smtClean="0"/>
+              <a:t> cross validation, get primary model that gives best results. LR seems to better for now</a:t>
+            </a:r>
+          </a:p>
+          <a:p>
+            <a:endParaRPr lang="en-US" dirty="0"/>
+          </a:p>
+        </p:txBody>
+      </p:sp>
+    </p:spTree>
+    <p:extLst>
+      <p:ext uri="{BB962C8B-B14F-4D97-AF65-F5344CB8AC3E}">
+        <p14:creationId xmlns:p14="http://schemas.microsoft.com/office/powerpoint/2010/main" val="1174279731"/>
+      </p:ext>
+    </p:extLst>
+  </p:cSld>
+  <p:clrMapOvr>
+    <a:masterClrMapping/>
+  </p:clrMapOvr>
+  <p:timing>
+    <p:tnLst>
+      <p:par>
+        <p:cTn id="1" dur="indefinite" restart="never" nodeType="tmRoot"/>
+      </p:par>
+    </p:tnLst>
+  </p:timing>
+</p:sld>
+</file>
+
+<file path=ppt/slides/slide12.xml><?xml version="1.0" encoding="utf-8"?>
+<p:sld xmlns:a="http://schemas.openxmlformats.org/drawingml/2006/main" xmlns:r="http://schemas.openxmlformats.org/officeDocument/2006/relationships" xmlns:p="http://schemas.openxmlformats.org/presentationml/2006/main">
+  <p:cSld>
+    <p:spTree>
+      <p:nvGrpSpPr>
+        <p:cNvPr id="1" name=""/>
+        <p:cNvGrpSpPr/>
+        <p:nvPr/>
+      </p:nvGrpSpPr>
+      <p:grpSpPr>
+        <a:xfrm>
+          <a:off x="0" y="0"/>
+          <a:ext cx="0" cy="0"/>
+          <a:chOff x="0" y="0"/>
+          <a:chExt cx="0" cy="0"/>
+        </a:xfrm>
+      </p:grpSpPr>
+      <p:pic>
+        <p:nvPicPr>
+          <p:cNvPr id="4" name="Picture 3"/>
+          <p:cNvPicPr>
+            <a:picLocks noChangeAspect="1"/>
+          </p:cNvPicPr>
+          <p:nvPr/>
+        </p:nvPicPr>
+        <p:blipFill>
+          <a:blip r:embed="rId2"/>
+          <a:stretch>
+            <a:fillRect/>
+          </a:stretch>
+        </p:blipFill>
+        <p:spPr>
+          <a:xfrm>
+            <a:off x="540908" y="79968"/>
+            <a:ext cx="2575783" cy="967824"/>
+          </a:xfrm>
+          <a:prstGeom prst="rect">
+            <a:avLst/>
+          </a:prstGeom>
+        </p:spPr>
+      </p:pic>
+      <p:pic>
+        <p:nvPicPr>
+          <p:cNvPr id="5" name="Picture 4"/>
+          <p:cNvPicPr>
+            <a:picLocks noChangeAspect="1"/>
+          </p:cNvPicPr>
+          <p:nvPr/>
+        </p:nvPicPr>
+        <p:blipFill>
+          <a:blip r:embed="rId3"/>
+          <a:stretch>
+            <a:fillRect/>
+          </a:stretch>
+        </p:blipFill>
+        <p:spPr>
+          <a:xfrm>
+            <a:off x="375135" y="3214278"/>
+            <a:ext cx="4994674" cy="3185705"/>
+          </a:xfrm>
+          <a:prstGeom prst="rect">
+            <a:avLst/>
+          </a:prstGeom>
+        </p:spPr>
+      </p:pic>
+      <p:pic>
+        <p:nvPicPr>
+          <p:cNvPr id="6" name="Picture 5"/>
+          <p:cNvPicPr>
+            <a:picLocks noChangeAspect="1"/>
+          </p:cNvPicPr>
+          <p:nvPr/>
+        </p:nvPicPr>
+        <p:blipFill>
+          <a:blip r:embed="rId4"/>
+          <a:stretch>
+            <a:fillRect/>
+          </a:stretch>
+        </p:blipFill>
+        <p:spPr>
+          <a:xfrm>
+            <a:off x="2872472" y="367351"/>
+            <a:ext cx="9074598" cy="2175552"/>
+          </a:xfrm>
+          <a:prstGeom prst="rect">
+            <a:avLst/>
+          </a:prstGeom>
+          <a:ln w="228600" cap="sq" cmpd="thickThin">
+            <a:solidFill>
+              <a:srgbClr val="000000"/>
+            </a:solidFill>
+            <a:prstDash val="solid"/>
+            <a:miter lim="800000"/>
+          </a:ln>
+          <a:effectLst>
+            <a:innerShdw blurRad="76200">
+              <a:srgbClr val="000000"/>
+            </a:innerShdw>
+          </a:effectLst>
+        </p:spPr>
+      </p:pic>
+      <p:pic>
+        <p:nvPicPr>
+          <p:cNvPr id="7" name="Picture 6"/>
+          <p:cNvPicPr>
+            <a:picLocks noChangeAspect="1"/>
+          </p:cNvPicPr>
+          <p:nvPr/>
+        </p:nvPicPr>
+        <p:blipFill>
+          <a:blip r:embed="rId5"/>
+          <a:stretch>
+            <a:fillRect/>
+          </a:stretch>
+        </p:blipFill>
+        <p:spPr>
+          <a:xfrm>
+            <a:off x="5769549" y="3321769"/>
+            <a:ext cx="6341608" cy="2970721"/>
+          </a:xfrm>
+          <a:prstGeom prst="rect">
+            <a:avLst/>
+          </a:prstGeom>
+        </p:spPr>
+      </p:pic>
+    </p:spTree>
+    <p:extLst>
+      <p:ext uri="{BB962C8B-B14F-4D97-AF65-F5344CB8AC3E}">
+        <p14:creationId xmlns:p14="http://schemas.microsoft.com/office/powerpoint/2010/main" val="1438375012"/>
+      </p:ext>
+    </p:extLst>
+  </p:cSld>
+  <p:clrMapOvr>
+    <a:masterClrMapping/>
+  </p:clrMapOvr>
+</p:sld>
+</file>
+
+<file path=ppt/slides/slide13.xml><?xml version="1.0" encoding="utf-8"?>
+<p:sld xmlns:a="http://schemas.openxmlformats.org/drawingml/2006/main" xmlns:r="http://schemas.openxmlformats.org/officeDocument/2006/relationships" xmlns:p="http://schemas.openxmlformats.org/presentationml/2006/main">
+  <p:cSld>
+    <p:spTree>
+      <p:nvGrpSpPr>
+        <p:cNvPr id="1" name=""/>
+        <p:cNvGrpSpPr/>
+        <p:nvPr/>
+      </p:nvGrpSpPr>
+      <p:grpSpPr>
+        <a:xfrm>
+          <a:off x="0" y="0"/>
+          <a:ext cx="0" cy="0"/>
+          <a:chOff x="0" y="0"/>
+          <a:chExt cx="0" cy="0"/>
+        </a:xfrm>
+      </p:grpSpPr>
+      <p:pic>
+        <p:nvPicPr>
+          <p:cNvPr id="3" name="Picture 2"/>
+          <p:cNvPicPr>
+            <a:picLocks noChangeAspect="1"/>
+          </p:cNvPicPr>
+          <p:nvPr/>
+        </p:nvPicPr>
+        <p:blipFill>
+          <a:blip r:embed="rId2"/>
+          <a:stretch>
+            <a:fillRect/>
+          </a:stretch>
+        </p:blipFill>
+        <p:spPr>
+          <a:xfrm>
             <a:off x="4564230" y="0"/>
             <a:ext cx="7277731" cy="6736664"/>
           </a:xfrm>
@@ -3375,220 +3974,6 @@
     <p:extLst>
       <p:ext uri="{BB962C8B-B14F-4D97-AF65-F5344CB8AC3E}">
         <p14:creationId xmlns:p14="http://schemas.microsoft.com/office/powerpoint/2010/main" val="1588022728"/>
-      </p:ext>
-    </p:extLst>
-  </p:cSld>
-  <p:clrMapOvr>
-    <a:masterClrMapping/>
-  </p:clrMapOvr>
-  <p:timing>
-    <p:tnLst>
-      <p:par>
-        <p:cTn id="1" dur="indefinite" restart="never" nodeType="tmRoot"/>
-      </p:par>
-    </p:tnLst>
-  </p:timing>
-</p:sld>
-</file>
-
-<file path=ppt/slides/slide12.xml><?xml version="1.0" encoding="utf-8"?>
-<p:sld xmlns:a="http://schemas.openxmlformats.org/drawingml/2006/main" xmlns:r="http://schemas.openxmlformats.org/officeDocument/2006/relationships" xmlns:p="http://schemas.openxmlformats.org/presentationml/2006/main">
-  <p:cSld>
-    <p:spTree>
-      <p:nvGrpSpPr>
-        <p:cNvPr id="1" name=""/>
-        <p:cNvGrpSpPr/>
-        <p:nvPr/>
-      </p:nvGrpSpPr>
-      <p:grpSpPr>
-        <a:xfrm>
-          <a:off x="0" y="0"/>
-          <a:ext cx="0" cy="0"/>
-          <a:chOff x="0" y="0"/>
-          <a:chExt cx="0" cy="0"/>
-        </a:xfrm>
-      </p:grpSpPr>
-      <p:pic>
-        <p:nvPicPr>
-          <p:cNvPr id="3" name="Picture 2"/>
-          <p:cNvPicPr>
-            <a:picLocks noChangeAspect="1"/>
-          </p:cNvPicPr>
-          <p:nvPr/>
-        </p:nvPicPr>
-        <p:blipFill>
-          <a:blip r:embed="rId2"/>
-          <a:stretch>
-            <a:fillRect/>
-          </a:stretch>
-        </p:blipFill>
-        <p:spPr>
-          <a:xfrm>
-            <a:off x="4599590" y="0"/>
-            <a:ext cx="7292972" cy="6622354"/>
-          </a:xfrm>
-          <a:prstGeom prst="rect">
-            <a:avLst/>
-          </a:prstGeom>
-        </p:spPr>
-      </p:pic>
-      <p:sp>
-        <p:nvSpPr>
-          <p:cNvPr id="5" name="TextBox 4"/>
-          <p:cNvSpPr txBox="1"/>
-          <p:nvPr/>
-        </p:nvSpPr>
-        <p:spPr>
-          <a:xfrm>
-            <a:off x="543697" y="506627"/>
-            <a:ext cx="3113903" cy="1477328"/>
-          </a:xfrm>
-          <a:prstGeom prst="rect">
-            <a:avLst/>
-          </a:prstGeom>
-          <a:noFill/>
-        </p:spPr>
-        <p:txBody>
-          <a:bodyPr wrap="square" rtlCol="0">
-            <a:spAutoFit/>
-          </a:bodyPr>
-          <a:lstStyle/>
-          <a:p>
-            <a:r>
-              <a:rPr lang="en-US" dirty="0" smtClean="0"/>
-              <a:t>Now we tried </a:t>
-            </a:r>
-            <a:r>
-              <a:rPr lang="en-US" dirty="0" err="1" smtClean="0"/>
-              <a:t>tunning</a:t>
-            </a:r>
-            <a:r>
-              <a:rPr lang="en-US" dirty="0" smtClean="0"/>
-              <a:t> </a:t>
-            </a:r>
-            <a:r>
-              <a:rPr lang="en-US" dirty="0" err="1" smtClean="0"/>
-              <a:t>Lasoo</a:t>
-            </a:r>
-            <a:r>
-              <a:rPr lang="en-US" dirty="0" smtClean="0"/>
-              <a:t> for better results using different hyper parameters like alpha , max iterations </a:t>
-            </a:r>
-            <a:r>
-              <a:rPr lang="en-US" dirty="0" err="1" smtClean="0"/>
-              <a:t>etc</a:t>
-            </a:r>
-            <a:endParaRPr lang="en-US" dirty="0" smtClean="0"/>
-          </a:p>
-          <a:p>
-            <a:r>
-              <a:rPr lang="en-US" dirty="0" smtClean="0"/>
-              <a:t> </a:t>
-            </a:r>
-            <a:endParaRPr lang="en-US" dirty="0"/>
-          </a:p>
-        </p:txBody>
-      </p:sp>
-    </p:spTree>
-    <p:extLst>
-      <p:ext uri="{BB962C8B-B14F-4D97-AF65-F5344CB8AC3E}">
-        <p14:creationId xmlns:p14="http://schemas.microsoft.com/office/powerpoint/2010/main" val="3756206637"/>
-      </p:ext>
-    </p:extLst>
-  </p:cSld>
-  <p:clrMapOvr>
-    <a:masterClrMapping/>
-  </p:clrMapOvr>
-  <p:timing>
-    <p:tnLst>
-      <p:par>
-        <p:cTn id="1" dur="indefinite" restart="never" nodeType="tmRoot"/>
-      </p:par>
-    </p:tnLst>
-  </p:timing>
-</p:sld>
-</file>
-
-<file path=ppt/slides/slide13.xml><?xml version="1.0" encoding="utf-8"?>
-<p:sld xmlns:a="http://schemas.openxmlformats.org/drawingml/2006/main" xmlns:r="http://schemas.openxmlformats.org/officeDocument/2006/relationships" xmlns:p="http://schemas.openxmlformats.org/presentationml/2006/main">
-  <p:cSld>
-    <p:spTree>
-      <p:nvGrpSpPr>
-        <p:cNvPr id="1" name=""/>
-        <p:cNvGrpSpPr/>
-        <p:nvPr/>
-      </p:nvGrpSpPr>
-      <p:grpSpPr>
-        <a:xfrm>
-          <a:off x="0" y="0"/>
-          <a:ext cx="0" cy="0"/>
-          <a:chOff x="0" y="0"/>
-          <a:chExt cx="0" cy="0"/>
-        </a:xfrm>
-      </p:grpSpPr>
-      <p:pic>
-        <p:nvPicPr>
-          <p:cNvPr id="3" name="Picture 2"/>
-          <p:cNvPicPr>
-            <a:picLocks noChangeAspect="1"/>
-          </p:cNvPicPr>
-          <p:nvPr/>
-        </p:nvPicPr>
-        <p:blipFill>
-          <a:blip r:embed="rId2"/>
-          <a:stretch>
-            <a:fillRect/>
-          </a:stretch>
-        </p:blipFill>
-        <p:spPr>
-          <a:xfrm>
-            <a:off x="4482609" y="188408"/>
-            <a:ext cx="7353937" cy="5517358"/>
-          </a:xfrm>
-          <a:prstGeom prst="rect">
-            <a:avLst/>
-          </a:prstGeom>
-        </p:spPr>
-      </p:pic>
-      <p:sp>
-        <p:nvSpPr>
-          <p:cNvPr id="5" name="TextBox 4"/>
-          <p:cNvSpPr txBox="1"/>
-          <p:nvPr/>
-        </p:nvSpPr>
-        <p:spPr>
-          <a:xfrm>
-            <a:off x="420130" y="444843"/>
-            <a:ext cx="3422821" cy="4801314"/>
-          </a:xfrm>
-          <a:prstGeom prst="rect">
-            <a:avLst/>
-          </a:prstGeom>
-          <a:noFill/>
-        </p:spPr>
-        <p:txBody>
-          <a:bodyPr wrap="square" rtlCol="0">
-            <a:spAutoFit/>
-          </a:bodyPr>
-          <a:lstStyle/>
-          <a:p>
-            <a:r>
-              <a:rPr lang="en-US" dirty="0"/>
-              <a:t>Ensemble learning uses multiple machine learning models to try to make better predictions on a dataset. An ensemble model works by training different models on a dataset and having each model make predictions individually. The predictions of these models are then combined in the ensemble model to make a final prediction.</a:t>
-            </a:r>
-          </a:p>
-          <a:p>
-            <a:r>
-              <a:rPr lang="en-US" dirty="0"/>
-              <a:t>Every model has its strengths and weaknesses. Ensemble models can be beneficial by combining individual models to help hide the weaknesses of an individual model.</a:t>
-            </a:r>
-          </a:p>
-        </p:txBody>
-      </p:sp>
-    </p:spTree>
-    <p:extLst>
-      <p:ext uri="{BB962C8B-B14F-4D97-AF65-F5344CB8AC3E}">
-        <p14:creationId xmlns:p14="http://schemas.microsoft.com/office/powerpoint/2010/main" val="370819287"/>
       </p:ext>
     </p:extLst>
   </p:cSld>
@@ -3638,8 +4023,8 @@
         </p:blipFill>
         <p:spPr>
           <a:xfrm>
-            <a:off x="4481683" y="199517"/>
-            <a:ext cx="7331075" cy="5791702"/>
+            <a:off x="4599590" y="0"/>
+            <a:ext cx="7292972" cy="6622354"/>
           </a:xfrm>
           <a:prstGeom prst="rect">
             <a:avLst/>
@@ -3654,8 +4039,8 @@
         </p:nvSpPr>
         <p:spPr>
           <a:xfrm>
-            <a:off x="630195" y="679622"/>
-            <a:ext cx="3064475" cy="2031325"/>
+            <a:off x="543697" y="506627"/>
+            <a:ext cx="3113903" cy="1477328"/>
           </a:xfrm>
           <a:prstGeom prst="rect">
             <a:avLst/>
@@ -3670,7 +4055,34 @@
           <a:p>
             <a:r>
               <a:rPr lang="en-US" dirty="0" smtClean="0"/>
-              <a:t>Finally we did settled with Lasso that gave best results for this data set. We finalized Lasso as our final model and going to use this model for test data to see how the model performed on test data.</a:t>
+              <a:t>Now we tried </a:t>
+            </a:r>
+            <a:r>
+              <a:rPr lang="en-US" dirty="0" smtClean="0"/>
+              <a:t>tuning </a:t>
+            </a:r>
+            <a:r>
+              <a:rPr lang="en-US" dirty="0" err="1" smtClean="0"/>
+              <a:t>Laso</a:t>
+            </a:r>
+            <a:r>
+              <a:rPr lang="en-US" dirty="0" smtClean="0"/>
+              <a:t> </a:t>
+            </a:r>
+            <a:r>
+              <a:rPr lang="en-US" dirty="0" smtClean="0"/>
+              <a:t>for better results using different hyper parameters like alpha , max iterations </a:t>
+            </a:r>
+            <a:r>
+              <a:rPr lang="en-US" dirty="0" err="1" smtClean="0"/>
+              <a:t>etc</a:t>
+            </a:r>
+            <a:endParaRPr lang="en-US" dirty="0" smtClean="0"/>
+          </a:p>
+          <a:p>
+            <a:r>
+              <a:rPr lang="en-US" dirty="0" smtClean="0"/>
+              <a:t> </a:t>
             </a:r>
             <a:endParaRPr lang="en-US" dirty="0"/>
           </a:p>
@@ -3679,7 +4091,7 @@
     </p:spTree>
     <p:extLst>
       <p:ext uri="{BB962C8B-B14F-4D97-AF65-F5344CB8AC3E}">
-        <p14:creationId xmlns:p14="http://schemas.microsoft.com/office/powerpoint/2010/main" val="1121424999"/>
+        <p14:creationId xmlns:p14="http://schemas.microsoft.com/office/powerpoint/2010/main" val="3756206637"/>
       </p:ext>
     </p:extLst>
   </p:cSld>
@@ -3729,8 +4141,8 @@
         </p:blipFill>
         <p:spPr>
           <a:xfrm>
-            <a:off x="4493934" y="67992"/>
-            <a:ext cx="7430144" cy="6790008"/>
+            <a:off x="4482609" y="188408"/>
+            <a:ext cx="7353937" cy="5517358"/>
           </a:xfrm>
           <a:prstGeom prst="rect">
             <a:avLst/>
@@ -3745,8 +4157,8 @@
         </p:nvSpPr>
         <p:spPr>
           <a:xfrm>
-            <a:off x="333632" y="370703"/>
-            <a:ext cx="3781168" cy="3970318"/>
+            <a:off x="420130" y="444843"/>
+            <a:ext cx="3422821" cy="4801314"/>
           </a:xfrm>
           <a:prstGeom prst="rect">
             <a:avLst/>
@@ -3760,56 +4172,22 @@
           <a:lstStyle/>
           <a:p>
             <a:r>
-              <a:rPr lang="en-US" dirty="0" smtClean="0"/>
-              <a:t>Now we decided the model, time to apply the model on test data (20 </a:t>
-            </a:r>
-            <a:r>
-              <a:rPr lang="en-US" dirty="0" err="1" smtClean="0"/>
-              <a:t>perecent</a:t>
-            </a:r>
-            <a:r>
-              <a:rPr lang="en-US" dirty="0" smtClean="0"/>
-              <a:t> of total data kept separate without fitting categorical or </a:t>
-            </a:r>
-            <a:r>
-              <a:rPr lang="en-US" dirty="0" err="1" smtClean="0"/>
-              <a:t>ohe</a:t>
-            </a:r>
-            <a:r>
-              <a:rPr lang="en-US" dirty="0" smtClean="0"/>
-              <a:t> or scaling or model. </a:t>
-            </a:r>
-          </a:p>
-          <a:p>
-            <a:r>
-              <a:rPr lang="en-US" dirty="0" smtClean="0"/>
-              <a:t>We did apply only transform on test data. (this is required we do not want test data to give </a:t>
-            </a:r>
-            <a:r>
-              <a:rPr lang="en-US" dirty="0" err="1" smtClean="0"/>
-              <a:t>overfit</a:t>
-            </a:r>
-            <a:r>
-              <a:rPr lang="en-US" dirty="0" smtClean="0"/>
-              <a:t> or high bias results)</a:t>
-            </a:r>
-          </a:p>
-          <a:p>
-            <a:endParaRPr lang="en-US" dirty="0" smtClean="0"/>
-          </a:p>
-          <a:p>
-            <a:r>
-              <a:rPr lang="en-US" dirty="0" smtClean="0"/>
-              <a:t>Accuracy on test data is 52% which we are ok with the result as our attempt here is to keep the full life cycle of regression model together.</a:t>
-            </a:r>
-            <a:endParaRPr lang="en-US" dirty="0"/>
+              <a:rPr lang="en-US" dirty="0"/>
+              <a:t>Ensemble learning uses multiple machine learning models to try to make better predictions on a dataset. An ensemble model works by training different models on a dataset and having each model make predictions individually. The predictions of these models are then combined in the ensemble model to make a final prediction.</a:t>
+            </a:r>
+          </a:p>
+          <a:p>
+            <a:r>
+              <a:rPr lang="en-US" dirty="0"/>
+              <a:t>Every model has its strengths and weaknesses. Ensemble models can be beneficial by combining individual models to help hide the weaknesses of an individual model.</a:t>
+            </a:r>
           </a:p>
         </p:txBody>
       </p:sp>
     </p:spTree>
     <p:extLst>
       <p:ext uri="{BB962C8B-B14F-4D97-AF65-F5344CB8AC3E}">
-        <p14:creationId xmlns:p14="http://schemas.microsoft.com/office/powerpoint/2010/main" val="1164574173"/>
+        <p14:creationId xmlns:p14="http://schemas.microsoft.com/office/powerpoint/2010/main" val="370819287"/>
       </p:ext>
     </p:extLst>
   </p:cSld>
@@ -3845,7 +4223,7 @@
       </p:grpSpPr>
       <p:pic>
         <p:nvPicPr>
-          <p:cNvPr id="4" name="Picture 3"/>
+          <p:cNvPr id="3" name="Picture 2"/>
           <p:cNvPicPr>
             <a:picLocks noChangeAspect="1"/>
           </p:cNvPicPr>
@@ -3859,8 +4237,8 @@
         </p:blipFill>
         <p:spPr>
           <a:xfrm>
-            <a:off x="4487239" y="141971"/>
-            <a:ext cx="7468247" cy="5387807"/>
+            <a:off x="4481683" y="199517"/>
+            <a:ext cx="7331075" cy="5791702"/>
           </a:xfrm>
           <a:prstGeom prst="rect">
             <a:avLst/>
@@ -3875,8 +4253,8 @@
         </p:nvSpPr>
         <p:spPr>
           <a:xfrm>
-            <a:off x="432486" y="469557"/>
-            <a:ext cx="3842952" cy="5078313"/>
+            <a:off x="630195" y="679622"/>
+            <a:ext cx="3064475" cy="2031325"/>
           </a:xfrm>
           <a:prstGeom prst="rect">
             <a:avLst/>
@@ -3891,38 +4269,8 @@
           <a:p>
             <a:r>
               <a:rPr lang="en-US" dirty="0" smtClean="0"/>
-              <a:t>Now we have model trained on trained data and satisfied with accuracy on test data. We can use model to predict on new data (in our case we kept 31 rows separate to pass to model to get the prediction demo). Here we are showing the case of predicting one new row on our model that shows 98% accuracy for one new row</a:t>
-            </a:r>
-          </a:p>
-          <a:p>
-            <a:endParaRPr lang="en-US" dirty="0" smtClean="0"/>
-          </a:p>
-          <a:p>
-            <a:endParaRPr lang="en-US" dirty="0"/>
-          </a:p>
-          <a:p>
-            <a:r>
-              <a:rPr lang="en-US" dirty="0" smtClean="0"/>
-              <a:t>We do not need to run the same file with whole train data each time to get predictions . We did pickle objects individually (serialization in java) into separate file that is reused in next slide in separate </a:t>
-            </a:r>
-            <a:r>
-              <a:rPr lang="en-US" dirty="0" err="1" smtClean="0"/>
-              <a:t>py</a:t>
-            </a:r>
-            <a:r>
-              <a:rPr lang="en-US" dirty="0" smtClean="0"/>
-              <a:t> or </a:t>
-            </a:r>
-            <a:r>
-              <a:rPr lang="en-US" dirty="0" err="1" smtClean="0"/>
-              <a:t>jupyter</a:t>
-            </a:r>
-            <a:r>
-              <a:rPr lang="en-US" dirty="0" smtClean="0"/>
-              <a:t> notebook.</a:t>
-            </a:r>
-          </a:p>
-          <a:p>
+              <a:t>Finally we did settled with Lasso that gave best results for this data set. We finalized Lasso as our final model and going to use this model for test data to see how the model performed on test data.</a:t>
+            </a:r>
             <a:endParaRPr lang="en-US" dirty="0"/>
           </a:p>
         </p:txBody>
@@ -3930,7 +4278,7 @@
     </p:spTree>
     <p:extLst>
       <p:ext uri="{BB962C8B-B14F-4D97-AF65-F5344CB8AC3E}">
-        <p14:creationId xmlns:p14="http://schemas.microsoft.com/office/powerpoint/2010/main" val="590967889"/>
+        <p14:creationId xmlns:p14="http://schemas.microsoft.com/office/powerpoint/2010/main" val="1121424999"/>
       </p:ext>
     </p:extLst>
   </p:cSld>
@@ -3964,72 +4312,9 @@
           <a:chExt cx="0" cy="0"/>
         </a:xfrm>
       </p:grpSpPr>
-      <p:sp>
-        <p:nvSpPr>
-          <p:cNvPr id="5" name="TextBox 4"/>
-          <p:cNvSpPr txBox="1"/>
-          <p:nvPr/>
-        </p:nvSpPr>
-        <p:spPr>
-          <a:xfrm>
-            <a:off x="432486" y="469557"/>
-            <a:ext cx="3842952" cy="3416320"/>
-          </a:xfrm>
-          <a:prstGeom prst="rect">
-            <a:avLst/>
-          </a:prstGeom>
-          <a:noFill/>
-        </p:spPr>
-        <p:txBody>
-          <a:bodyPr wrap="square" rtlCol="0">
-            <a:spAutoFit/>
-          </a:bodyPr>
-          <a:lstStyle/>
-          <a:p>
-            <a:r>
-              <a:rPr lang="en-US" dirty="0" smtClean="0"/>
-              <a:t>Here is the new </a:t>
-            </a:r>
-            <a:r>
-              <a:rPr lang="en-US" dirty="0" err="1" smtClean="0"/>
-              <a:t>py</a:t>
-            </a:r>
-            <a:r>
-              <a:rPr lang="en-US" dirty="0" smtClean="0"/>
-              <a:t> file that imports pickled file and get each individual object that are required for prediction.</a:t>
-            </a:r>
-          </a:p>
-          <a:p>
-            <a:r>
-              <a:rPr lang="en-US" dirty="0" smtClean="0"/>
-              <a:t>(fitted </a:t>
-            </a:r>
-            <a:r>
-              <a:rPr lang="en-US" dirty="0" err="1" smtClean="0"/>
-              <a:t>ohe</a:t>
-            </a:r>
-            <a:r>
-              <a:rPr lang="en-US" dirty="0" smtClean="0"/>
-              <a:t>, scalar, model objects and also list of categorical values used in trained process)</a:t>
-            </a:r>
-          </a:p>
-          <a:p>
-            <a:endParaRPr lang="en-US" dirty="0" smtClean="0"/>
-          </a:p>
-          <a:p>
-            <a:r>
-              <a:rPr lang="en-US" dirty="0" smtClean="0"/>
-              <a:t>A new function that takes new row as list of dictionary and uses the imported objects from pickled file to make new predictions</a:t>
-            </a:r>
-          </a:p>
-          <a:p>
-            <a:endParaRPr lang="en-US" dirty="0"/>
-          </a:p>
-        </p:txBody>
-      </p:sp>
       <p:pic>
         <p:nvPicPr>
-          <p:cNvPr id="2" name="Picture 1"/>
+          <p:cNvPr id="3" name="Picture 2"/>
           <p:cNvPicPr>
             <a:picLocks noChangeAspect="1"/>
           </p:cNvPicPr>
@@ -4043,18 +4328,87 @@
         </p:blipFill>
         <p:spPr>
           <a:xfrm>
-            <a:off x="4578579" y="366031"/>
-            <a:ext cx="7384420" cy="5631668"/>
+            <a:off x="4493934" y="67992"/>
+            <a:ext cx="7430144" cy="6790008"/>
           </a:xfrm>
           <a:prstGeom prst="rect">
             <a:avLst/>
           </a:prstGeom>
         </p:spPr>
       </p:pic>
+      <p:sp>
+        <p:nvSpPr>
+          <p:cNvPr id="5" name="TextBox 4"/>
+          <p:cNvSpPr txBox="1"/>
+          <p:nvPr/>
+        </p:nvSpPr>
+        <p:spPr>
+          <a:xfrm>
+            <a:off x="333632" y="370703"/>
+            <a:ext cx="3781168" cy="3970318"/>
+          </a:xfrm>
+          <a:prstGeom prst="rect">
+            <a:avLst/>
+          </a:prstGeom>
+          <a:noFill/>
+        </p:spPr>
+        <p:txBody>
+          <a:bodyPr wrap="square" rtlCol="0">
+            <a:spAutoFit/>
+          </a:bodyPr>
+          <a:lstStyle/>
+          <a:p>
+            <a:r>
+              <a:rPr lang="en-US" dirty="0" smtClean="0"/>
+              <a:t>Now we decided the model, time to apply the model on test data (20 </a:t>
+            </a:r>
+            <a:r>
+              <a:rPr lang="en-US" dirty="0" err="1" smtClean="0"/>
+              <a:t>perecent</a:t>
+            </a:r>
+            <a:r>
+              <a:rPr lang="en-US" dirty="0" smtClean="0"/>
+              <a:t> of total data kept separate without fitting categorical or </a:t>
+            </a:r>
+            <a:r>
+              <a:rPr lang="en-US" dirty="0" err="1" smtClean="0"/>
+              <a:t>ohe</a:t>
+            </a:r>
+            <a:r>
+              <a:rPr lang="en-US" dirty="0" smtClean="0"/>
+              <a:t> or scaling or model. </a:t>
+            </a:r>
+          </a:p>
+          <a:p>
+            <a:r>
+              <a:rPr lang="en-US" dirty="0" smtClean="0"/>
+              <a:t>We did apply only transform on test data. (this is required we do not want test data to give </a:t>
+            </a:r>
+            <a:r>
+              <a:rPr lang="en-US" dirty="0" err="1" smtClean="0"/>
+              <a:t>overfit</a:t>
+            </a:r>
+            <a:r>
+              <a:rPr lang="en-US" dirty="0" smtClean="0"/>
+              <a:t> or high bias results)</a:t>
+            </a:r>
+          </a:p>
+          <a:p>
+            <a:endParaRPr lang="en-US" dirty="0" smtClean="0"/>
+          </a:p>
+          <a:p>
+            <a:r>
+              <a:rPr lang="en-US" dirty="0" smtClean="0"/>
+              <a:t>Accuracy on test data is 52% which we are ok with the result as our attempt here is to keep the full life cycle of regression model together.</a:t>
+            </a:r>
+            <a:endParaRPr lang="en-US" dirty="0"/>
+          </a:p>
+        </p:txBody>
+      </p:sp>
     </p:spTree>
     <p:extLst>
       <p:ext uri="{BB962C8B-B14F-4D97-AF65-F5344CB8AC3E}">
-        <p14:creationId xmlns:p14="http://schemas.microsoft.com/office/powerpoint/2010/main" val="324868842"/>
+        <p14:creationId xmlns:p14="http://schemas.microsoft.com/office/powerpoint/2010/main" val="1164574173"/>
       </p:ext>
     </p:extLst>
   </p:cSld>
@@ -4088,74 +4442,9 @@
           <a:chExt cx="0" cy="0"/>
         </a:xfrm>
       </p:grpSpPr>
-      <p:sp>
-        <p:nvSpPr>
-          <p:cNvPr id="5" name="TextBox 4"/>
-          <p:cNvSpPr txBox="1"/>
-          <p:nvPr/>
-        </p:nvSpPr>
-        <p:spPr>
-          <a:xfrm>
-            <a:off x="432486" y="469557"/>
-            <a:ext cx="2755557" cy="4524315"/>
-          </a:xfrm>
-          <a:prstGeom prst="rect">
-            <a:avLst/>
-          </a:prstGeom>
-          <a:noFill/>
-        </p:spPr>
-        <p:txBody>
-          <a:bodyPr wrap="square" rtlCol="0">
-            <a:spAutoFit/>
-          </a:bodyPr>
-          <a:lstStyle/>
-          <a:p>
-            <a:r>
-              <a:rPr lang="en-US" dirty="0" smtClean="0"/>
-              <a:t>Here is the call to new function with new data row to get prediction. </a:t>
-            </a:r>
-          </a:p>
-          <a:p>
-            <a:endParaRPr lang="en-US" dirty="0"/>
-          </a:p>
-          <a:p>
-            <a:r>
-              <a:rPr lang="en-US" dirty="0" smtClean="0"/>
-              <a:t>Next we have created python file using flask that displays all new validation data (31 rows) , user can select </a:t>
-            </a:r>
-            <a:r>
-              <a:rPr lang="en-US" dirty="0" err="1" smtClean="0"/>
-              <a:t>ine</a:t>
-            </a:r>
-            <a:r>
-              <a:rPr lang="en-US" dirty="0" smtClean="0"/>
-              <a:t> item to get prediction, that row will be displayed in next screen (/</a:t>
-            </a:r>
-            <a:r>
-              <a:rPr lang="en-US" dirty="0" err="1" smtClean="0"/>
-              <a:t>inputdata</a:t>
-            </a:r>
-            <a:r>
-              <a:rPr lang="en-US" dirty="0" smtClean="0"/>
-              <a:t>) as showing the selected data and next screen (/</a:t>
-            </a:r>
-            <a:r>
-              <a:rPr lang="en-US" dirty="0" err="1" smtClean="0"/>
-              <a:t>inputdata</a:t>
-            </a:r>
-            <a:r>
-              <a:rPr lang="en-US" dirty="0" smtClean="0"/>
-              <a:t>/predict) will display prediction. </a:t>
-            </a:r>
-          </a:p>
-          <a:p>
-            <a:endParaRPr lang="en-US" dirty="0"/>
-          </a:p>
-        </p:txBody>
-      </p:sp>
       <p:pic>
         <p:nvPicPr>
-          <p:cNvPr id="3" name="Picture 2"/>
+          <p:cNvPr id="4" name="Picture 3"/>
           <p:cNvPicPr>
             <a:picLocks noChangeAspect="1"/>
           </p:cNvPicPr>
@@ -4169,18 +4458,78 @@
         </p:blipFill>
         <p:spPr>
           <a:xfrm>
-            <a:off x="3510630" y="469556"/>
-            <a:ext cx="8118745" cy="5115698"/>
+            <a:off x="4487239" y="141971"/>
+            <a:ext cx="7468247" cy="5387807"/>
           </a:xfrm>
           <a:prstGeom prst="rect">
             <a:avLst/>
           </a:prstGeom>
         </p:spPr>
       </p:pic>
+      <p:sp>
+        <p:nvSpPr>
+          <p:cNvPr id="5" name="TextBox 4"/>
+          <p:cNvSpPr txBox="1"/>
+          <p:nvPr/>
+        </p:nvSpPr>
+        <p:spPr>
+          <a:xfrm>
+            <a:off x="432486" y="469557"/>
+            <a:ext cx="3842952" cy="5078313"/>
+          </a:xfrm>
+          <a:prstGeom prst="rect">
+            <a:avLst/>
+          </a:prstGeom>
+          <a:noFill/>
+        </p:spPr>
+        <p:txBody>
+          <a:bodyPr wrap="square" rtlCol="0">
+            <a:spAutoFit/>
+          </a:bodyPr>
+          <a:lstStyle/>
+          <a:p>
+            <a:r>
+              <a:rPr lang="en-US" dirty="0" smtClean="0"/>
+              <a:t>Now we have model trained on trained data and satisfied with accuracy on test data. We can use model to predict on new data (in our case we kept 31 rows separate to pass to model to get the prediction demo). Here we are showing the case of predicting one new row on our model that shows 98% accuracy for one new row</a:t>
+            </a:r>
+          </a:p>
+          <a:p>
+            <a:endParaRPr lang="en-US" dirty="0" smtClean="0"/>
+          </a:p>
+          <a:p>
+            <a:endParaRPr lang="en-US" dirty="0"/>
+          </a:p>
+          <a:p>
+            <a:r>
+              <a:rPr lang="en-US" dirty="0" smtClean="0"/>
+              <a:t>We do not need to run the same file with whole train data each time to get predictions . We did pickle objects individually (serialization in java) into separate file that is reused in next slide in separate </a:t>
+            </a:r>
+            <a:r>
+              <a:rPr lang="en-US" dirty="0" err="1" smtClean="0"/>
+              <a:t>py</a:t>
+            </a:r>
+            <a:r>
+              <a:rPr lang="en-US" dirty="0" smtClean="0"/>
+              <a:t> or </a:t>
+            </a:r>
+            <a:r>
+              <a:rPr lang="en-US" dirty="0" err="1" smtClean="0"/>
+              <a:t>jupyter</a:t>
+            </a:r>
+            <a:r>
+              <a:rPr lang="en-US" dirty="0" smtClean="0"/>
+              <a:t> notebook.</a:t>
+            </a:r>
+          </a:p>
+          <a:p>
+            <a:endParaRPr lang="en-US" dirty="0"/>
+          </a:p>
+        </p:txBody>
+      </p:sp>
     </p:spTree>
     <p:extLst>
       <p:ext uri="{BB962C8B-B14F-4D97-AF65-F5344CB8AC3E}">
-        <p14:creationId xmlns:p14="http://schemas.microsoft.com/office/powerpoint/2010/main" val="4190445728"/>
+        <p14:creationId xmlns:p14="http://schemas.microsoft.com/office/powerpoint/2010/main" val="590967889"/>
       </p:ext>
     </p:extLst>
   </p:cSld>
@@ -4216,14 +4565,14 @@
       </p:grpSpPr>
       <p:sp>
         <p:nvSpPr>
-          <p:cNvPr id="6" name="TextBox 5"/>
+          <p:cNvPr id="5" name="TextBox 4"/>
           <p:cNvSpPr txBox="1"/>
           <p:nvPr/>
         </p:nvSpPr>
         <p:spPr>
           <a:xfrm>
-            <a:off x="447261" y="725557"/>
-            <a:ext cx="1818861" cy="1477328"/>
+            <a:off x="432486" y="469557"/>
+            <a:ext cx="3842952" cy="3416320"/>
           </a:xfrm>
           <a:prstGeom prst="rect">
             <a:avLst/>
@@ -4238,23 +4587,48 @@
           <a:p>
             <a:r>
               <a:rPr lang="en-US" dirty="0" smtClean="0"/>
-              <a:t>Flask base </a:t>
+              <a:t>Here is the new </a:t>
             </a:r>
             <a:r>
               <a:rPr lang="en-US" dirty="0" err="1" smtClean="0"/>
-              <a:t>url</a:t>
+              <a:t>py</a:t>
             </a:r>
             <a:r>
               <a:rPr lang="en-US" dirty="0" smtClean="0"/>
-              <a:t> to display data to select from (enter item that needs prediction)</a:t>
-            </a:r>
+              <a:t> file that imports pickled file and get each individual object that are required for prediction.</a:t>
+            </a:r>
+          </a:p>
+          <a:p>
+            <a:r>
+              <a:rPr lang="en-US" dirty="0" smtClean="0"/>
+              <a:t>(fitted </a:t>
+            </a:r>
+            <a:r>
+              <a:rPr lang="en-US" dirty="0" err="1" smtClean="0"/>
+              <a:t>ohe</a:t>
+            </a:r>
+            <a:r>
+              <a:rPr lang="en-US" dirty="0" smtClean="0"/>
+              <a:t>, scalar, model objects and also list of categorical values used in trained process)</a:t>
+            </a:r>
+          </a:p>
+          <a:p>
+            <a:endParaRPr lang="en-US" dirty="0" smtClean="0"/>
+          </a:p>
+          <a:p>
+            <a:r>
+              <a:rPr lang="en-US" dirty="0" smtClean="0"/>
+              <a:t>A new function that takes new row as list of dictionary and uses the imported objects from pickled file to make new predictions</a:t>
+            </a:r>
+          </a:p>
+          <a:p>
             <a:endParaRPr lang="en-US" dirty="0"/>
           </a:p>
         </p:txBody>
       </p:sp>
       <p:pic>
         <p:nvPicPr>
-          <p:cNvPr id="7" name="Picture 6"/>
+          <p:cNvPr id="2" name="Picture 1"/>
           <p:cNvPicPr>
             <a:picLocks noChangeAspect="1"/>
           </p:cNvPicPr>
@@ -4268,8 +4642,8 @@
         </p:blipFill>
         <p:spPr>
           <a:xfrm>
-            <a:off x="2832124" y="103964"/>
-            <a:ext cx="9005381" cy="6754036"/>
+            <a:off x="4578579" y="366031"/>
+            <a:ext cx="7384420" cy="5631668"/>
           </a:xfrm>
           <a:prstGeom prst="rect">
             <a:avLst/>
@@ -4279,7 +4653,7 @@
     </p:spTree>
     <p:extLst>
       <p:ext uri="{BB962C8B-B14F-4D97-AF65-F5344CB8AC3E}">
-        <p14:creationId xmlns:p14="http://schemas.microsoft.com/office/powerpoint/2010/main" val="4175713194"/>
+        <p14:creationId xmlns:p14="http://schemas.microsoft.com/office/powerpoint/2010/main" val="324868842"/>
       </p:ext>
     </p:extLst>
   </p:cSld>
@@ -4419,14 +4793,14 @@
       </p:grpSpPr>
       <p:sp>
         <p:nvSpPr>
-          <p:cNvPr id="6" name="TextBox 5"/>
+          <p:cNvPr id="5" name="TextBox 4"/>
           <p:cNvSpPr txBox="1"/>
           <p:nvPr/>
         </p:nvSpPr>
         <p:spPr>
           <a:xfrm>
-            <a:off x="447261" y="725557"/>
-            <a:ext cx="1818861" cy="5355312"/>
+            <a:off x="432486" y="469557"/>
+            <a:ext cx="2755557" cy="3693319"/>
           </a:xfrm>
           <a:prstGeom prst="rect">
             <a:avLst/>
@@ -4441,58 +4815,36 @@
           <a:p>
             <a:r>
               <a:rPr lang="en-US" dirty="0" smtClean="0"/>
-              <a:t>After clicking submit button the first screen shows to enter next </a:t>
-            </a:r>
-            <a:r>
-              <a:rPr lang="en-US" dirty="0" err="1" smtClean="0"/>
-              <a:t>url</a:t>
-            </a:r>
-            <a:r>
-              <a:rPr lang="en-US" dirty="0" smtClean="0"/>
-              <a:t>. </a:t>
-            </a:r>
-          </a:p>
-          <a:p>
+              <a:t>Here is the call to new function with new data row to get prediction. </a:t>
+            </a:r>
             <a:endParaRPr lang="en-US" dirty="0" smtClean="0"/>
           </a:p>
           <a:p>
-            <a:r>
-              <a:rPr lang="en-US" dirty="0" smtClean="0"/>
-              <a:t>After enter /</a:t>
-            </a:r>
-            <a:r>
-              <a:rPr lang="en-US" dirty="0" err="1" smtClean="0"/>
-              <a:t>inputdata</a:t>
-            </a:r>
-            <a:r>
-              <a:rPr lang="en-US" dirty="0" smtClean="0"/>
-              <a:t> the data selected is displayed and shows next </a:t>
-            </a:r>
-            <a:r>
-              <a:rPr lang="en-US" dirty="0" err="1" smtClean="0"/>
-              <a:t>url</a:t>
-            </a:r>
-            <a:r>
-              <a:rPr lang="en-US" dirty="0" smtClean="0"/>
-              <a:t> to see predict data. </a:t>
-            </a:r>
-          </a:p>
-          <a:p>
             <a:endParaRPr lang="en-US" dirty="0"/>
           </a:p>
           <a:p>
-            <a:r>
-              <a:rPr lang="en-US" dirty="0" smtClean="0"/>
-              <a:t>After entering /predict the predicted data is shown as </a:t>
-            </a:r>
-            <a:r>
-              <a:rPr lang="en-US" dirty="0" err="1" smtClean="0"/>
-              <a:t>jsonify</a:t>
-            </a:r>
-            <a:r>
-              <a:rPr lang="en-US" dirty="0" smtClean="0"/>
-              <a:t> object</a:t>
-            </a:r>
+            <a:endParaRPr lang="en-US" dirty="0" smtClean="0"/>
+          </a:p>
+          <a:p>
+            <a:endParaRPr lang="en-US" dirty="0"/>
+          </a:p>
+          <a:p>
+            <a:endParaRPr lang="en-US" dirty="0" smtClean="0"/>
+          </a:p>
+          <a:p>
+            <a:endParaRPr lang="en-US" dirty="0"/>
+          </a:p>
+          <a:p>
+            <a:endParaRPr lang="en-US" dirty="0" smtClean="0"/>
+          </a:p>
+          <a:p>
+            <a:endParaRPr lang="en-US" dirty="0"/>
+          </a:p>
+          <a:p>
+            <a:endParaRPr lang="en-US" dirty="0" smtClean="0"/>
+          </a:p>
+          <a:p>
+            <a:endParaRPr lang="en-US" dirty="0"/>
           </a:p>
           <a:p>
             <a:endParaRPr lang="en-US" dirty="0"/>
@@ -4501,7 +4853,7 @@
       </p:sp>
       <p:pic>
         <p:nvPicPr>
-          <p:cNvPr id="2" name="Picture 1"/>
+          <p:cNvPr id="3" name="Picture 2"/>
           <p:cNvPicPr>
             <a:picLocks noChangeAspect="1"/>
           </p:cNvPicPr>
@@ -4515,66 +4867,74 @@
         </p:blipFill>
         <p:spPr>
           <a:xfrm>
-            <a:off x="3060892" y="870230"/>
-            <a:ext cx="8178093" cy="978892"/>
+            <a:off x="3510630" y="469556"/>
+            <a:ext cx="8118745" cy="5115698"/>
           </a:xfrm>
           <a:prstGeom prst="rect">
             <a:avLst/>
           </a:prstGeom>
         </p:spPr>
       </p:pic>
-      <p:pic>
-        <p:nvPicPr>
-          <p:cNvPr id="3" name="Picture 2"/>
-          <p:cNvPicPr>
-            <a:picLocks noChangeAspect="1"/>
-          </p:cNvPicPr>
+      <p:sp>
+        <p:nvSpPr>
+          <p:cNvPr id="4" name="TextBox 3"/>
+          <p:cNvSpPr txBox="1"/>
           <p:nvPr/>
-        </p:nvPicPr>
-        <p:blipFill>
-          <a:blip r:embed="rId3"/>
-          <a:stretch>
-            <a:fillRect/>
-          </a:stretch>
-        </p:blipFill>
-        <p:spPr>
-          <a:xfrm>
-            <a:off x="2849451" y="2113105"/>
-            <a:ext cx="9069309" cy="2051391"/>
+        </p:nvSpPr>
+        <p:spPr>
+          <a:xfrm>
+            <a:off x="2577737" y="5380672"/>
+            <a:ext cx="7384869" cy="1477328"/>
           </a:xfrm>
           <a:prstGeom prst="rect">
             <a:avLst/>
           </a:prstGeom>
-        </p:spPr>
-      </p:pic>
-      <p:pic>
-        <p:nvPicPr>
-          <p:cNvPr id="5" name="Picture 4"/>
-          <p:cNvPicPr>
-            <a:picLocks noChangeAspect="1"/>
-          </p:cNvPicPr>
-          <p:nvPr/>
-        </p:nvPicPr>
-        <p:blipFill>
-          <a:blip r:embed="rId4"/>
-          <a:stretch>
-            <a:fillRect/>
-          </a:stretch>
-        </p:blipFill>
-        <p:spPr>
-          <a:xfrm>
-            <a:off x="3060892" y="4428479"/>
-            <a:ext cx="8977138" cy="1539373"/>
-          </a:xfrm>
-          <a:prstGeom prst="rect">
-            <a:avLst/>
-          </a:prstGeom>
-        </p:spPr>
-      </p:pic>
+          <a:noFill/>
+        </p:spPr>
+        <p:txBody>
+          <a:bodyPr wrap="square" rtlCol="0">
+            <a:spAutoFit/>
+          </a:bodyPr>
+          <a:lstStyle/>
+          <a:p>
+            <a:r>
+              <a:rPr lang="en-US" dirty="0"/>
+              <a:t>Next we have created python file using flask that displays all new validation data (31 rows) , user can select </a:t>
+            </a:r>
+            <a:r>
+              <a:rPr lang="en-US" dirty="0" err="1"/>
+              <a:t>ine</a:t>
+            </a:r>
+            <a:r>
+              <a:rPr lang="en-US" dirty="0"/>
+              <a:t> item to get prediction, that row will be displayed in next screen (/</a:t>
+            </a:r>
+            <a:r>
+              <a:rPr lang="en-US" dirty="0" err="1"/>
+              <a:t>inputdata</a:t>
+            </a:r>
+            <a:r>
+              <a:rPr lang="en-US" dirty="0"/>
+              <a:t>) as showing the selected data and next screen (/</a:t>
+            </a:r>
+            <a:r>
+              <a:rPr lang="en-US" dirty="0" err="1"/>
+              <a:t>inputdata</a:t>
+            </a:r>
+            <a:r>
+              <a:rPr lang="en-US" dirty="0"/>
+              <a:t>/predict) will display prediction. </a:t>
+            </a:r>
+          </a:p>
+          <a:p>
+            <a:endParaRPr lang="en-US" dirty="0"/>
+          </a:p>
+        </p:txBody>
+      </p:sp>
     </p:spTree>
     <p:extLst>
       <p:ext uri="{BB962C8B-B14F-4D97-AF65-F5344CB8AC3E}">
-        <p14:creationId xmlns:p14="http://schemas.microsoft.com/office/powerpoint/2010/main" val="1895432683"/>
+        <p14:creationId xmlns:p14="http://schemas.microsoft.com/office/powerpoint/2010/main" val="4190445728"/>
       </p:ext>
     </p:extLst>
   </p:cSld>
@@ -4608,9 +4968,47 @@
           <a:chExt cx="0" cy="0"/>
         </a:xfrm>
       </p:grpSpPr>
+      <p:sp>
+        <p:nvSpPr>
+          <p:cNvPr id="6" name="TextBox 5"/>
+          <p:cNvSpPr txBox="1"/>
+          <p:nvPr/>
+        </p:nvSpPr>
+        <p:spPr>
+          <a:xfrm>
+            <a:off x="447261" y="725557"/>
+            <a:ext cx="1818861" cy="1477328"/>
+          </a:xfrm>
+          <a:prstGeom prst="rect">
+            <a:avLst/>
+          </a:prstGeom>
+          <a:noFill/>
+        </p:spPr>
+        <p:txBody>
+          <a:bodyPr wrap="square" rtlCol="0">
+            <a:spAutoFit/>
+          </a:bodyPr>
+          <a:lstStyle/>
+          <a:p>
+            <a:r>
+              <a:rPr lang="en-US" dirty="0" smtClean="0"/>
+              <a:t>Flask base </a:t>
+            </a:r>
+            <a:r>
+              <a:rPr lang="en-US" dirty="0" err="1" smtClean="0"/>
+              <a:t>url</a:t>
+            </a:r>
+            <a:r>
+              <a:rPr lang="en-US" dirty="0" smtClean="0"/>
+              <a:t> to display data to select from (enter item that needs prediction)</a:t>
+            </a:r>
+            <a:endParaRPr lang="en-US" dirty="0"/>
+          </a:p>
+        </p:txBody>
+      </p:sp>
       <p:pic>
         <p:nvPicPr>
-          <p:cNvPr id="4" name="Picture 3"/>
+          <p:cNvPr id="7" name="Picture 6"/>
           <p:cNvPicPr>
             <a:picLocks noChangeAspect="1"/>
           </p:cNvPicPr>
@@ -4624,50 +5022,18 @@
         </p:blipFill>
         <p:spPr>
           <a:xfrm>
-            <a:off x="2978954" y="0"/>
-            <a:ext cx="9014792" cy="6761093"/>
+            <a:off x="2832124" y="103964"/>
+            <a:ext cx="9005381" cy="6754036"/>
           </a:xfrm>
           <a:prstGeom prst="rect">
             <a:avLst/>
           </a:prstGeom>
         </p:spPr>
       </p:pic>
-      <p:sp>
-        <p:nvSpPr>
-          <p:cNvPr id="7" name="TextBox 6"/>
-          <p:cNvSpPr txBox="1"/>
-          <p:nvPr/>
-        </p:nvSpPr>
-        <p:spPr>
-          <a:xfrm>
-            <a:off x="576470" y="675861"/>
-            <a:ext cx="1600200" cy="646331"/>
-          </a:xfrm>
-          <a:prstGeom prst="rect">
-            <a:avLst/>
-          </a:prstGeom>
-          <a:noFill/>
-        </p:spPr>
-        <p:txBody>
-          <a:bodyPr wrap="square" rtlCol="0">
-            <a:spAutoFit/>
-          </a:bodyPr>
-          <a:lstStyle/>
-          <a:p>
-            <a:r>
-              <a:rPr lang="en-US" dirty="0" smtClean="0"/>
-              <a:t>Flask code</a:t>
-            </a:r>
-          </a:p>
-          <a:p>
-            <a:endParaRPr lang="en-US" dirty="0"/>
-          </a:p>
-        </p:txBody>
-      </p:sp>
     </p:spTree>
     <p:extLst>
       <p:ext uri="{BB962C8B-B14F-4D97-AF65-F5344CB8AC3E}">
-        <p14:creationId xmlns:p14="http://schemas.microsoft.com/office/powerpoint/2010/main" val="86801332"/>
+        <p14:creationId xmlns:p14="http://schemas.microsoft.com/office/powerpoint/2010/main" val="4175713194"/>
       </p:ext>
     </p:extLst>
   </p:cSld>
@@ -4703,14 +5069,14 @@
       </p:grpSpPr>
       <p:sp>
         <p:nvSpPr>
-          <p:cNvPr id="7" name="TextBox 6"/>
+          <p:cNvPr id="6" name="TextBox 5"/>
           <p:cNvSpPr txBox="1"/>
           <p:nvPr/>
         </p:nvSpPr>
         <p:spPr>
           <a:xfrm>
-            <a:off x="576470" y="675861"/>
-            <a:ext cx="1600200" cy="2862322"/>
+            <a:off x="447261" y="725557"/>
+            <a:ext cx="1818861" cy="5355312"/>
           </a:xfrm>
           <a:prstGeom prst="rect">
             <a:avLst/>
@@ -4725,7 +5091,40 @@
           <a:p>
             <a:r>
               <a:rPr lang="en-US" dirty="0" smtClean="0"/>
-              <a:t>Flask code </a:t>
+              <a:t>After clicking submit button the first screen shows to enter next </a:t>
+            </a:r>
+            <a:r>
+              <a:rPr lang="en-US" dirty="0" err="1" smtClean="0"/>
+              <a:t>url</a:t>
+            </a:r>
+            <a:r>
+              <a:rPr lang="en-US" dirty="0" smtClean="0"/>
+              <a:t>. </a:t>
+            </a:r>
+          </a:p>
+          <a:p>
+            <a:endParaRPr lang="en-US" dirty="0" smtClean="0"/>
+          </a:p>
+          <a:p>
+            <a:r>
+              <a:rPr lang="en-US" dirty="0" smtClean="0"/>
+              <a:t>After enter /</a:t>
+            </a:r>
+            <a:r>
+              <a:rPr lang="en-US" dirty="0" err="1" smtClean="0"/>
+              <a:t>inputdata</a:t>
+            </a:r>
+            <a:r>
+              <a:rPr lang="en-US" dirty="0" smtClean="0"/>
+              <a:t> the data selected is displayed and shows next </a:t>
+            </a:r>
+            <a:r>
+              <a:rPr lang="en-US" dirty="0" err="1" smtClean="0"/>
+              <a:t>url</a:t>
+            </a:r>
+            <a:r>
+              <a:rPr lang="en-US" dirty="0" smtClean="0"/>
+              <a:t> to see predict data. </a:t>
             </a:r>
           </a:p>
           <a:p>
@@ -4734,15 +5133,15 @@
           <a:p>
             <a:r>
               <a:rPr lang="en-US" dirty="0" smtClean="0"/>
-              <a:t>(similar to </a:t>
+              <a:t>After entering /predict the predicted data is shown as </a:t>
             </a:r>
             <a:r>
               <a:rPr lang="en-US" dirty="0" err="1" smtClean="0"/>
-              <a:t>jupyter</a:t>
+              <a:t>jsonify</a:t>
             </a:r>
             <a:r>
               <a:rPr lang="en-US" dirty="0" smtClean="0"/>
-              <a:t> notebook saw earlier to predict data on new row selected)</a:t>
+              <a:t> object</a:t>
             </a:r>
           </a:p>
           <a:p>
@@ -4766,8 +5165,56 @@
         </p:blipFill>
         <p:spPr>
           <a:xfrm>
-            <a:off x="2484782" y="0"/>
-            <a:ext cx="9114183" cy="6835637"/>
+            <a:off x="3060892" y="870230"/>
+            <a:ext cx="8178093" cy="978892"/>
+          </a:xfrm>
+          <a:prstGeom prst="rect">
+            <a:avLst/>
+          </a:prstGeom>
+        </p:spPr>
+      </p:pic>
+      <p:pic>
+        <p:nvPicPr>
+          <p:cNvPr id="3" name="Picture 2"/>
+          <p:cNvPicPr>
+            <a:picLocks noChangeAspect="1"/>
+          </p:cNvPicPr>
+          <p:nvPr/>
+        </p:nvPicPr>
+        <p:blipFill>
+          <a:blip r:embed="rId3"/>
+          <a:stretch>
+            <a:fillRect/>
+          </a:stretch>
+        </p:blipFill>
+        <p:spPr>
+          <a:xfrm>
+            <a:off x="2849451" y="2113105"/>
+            <a:ext cx="9069309" cy="2051391"/>
+          </a:xfrm>
+          <a:prstGeom prst="rect">
+            <a:avLst/>
+          </a:prstGeom>
+        </p:spPr>
+      </p:pic>
+      <p:pic>
+        <p:nvPicPr>
+          <p:cNvPr id="5" name="Picture 4"/>
+          <p:cNvPicPr>
+            <a:picLocks noChangeAspect="1"/>
+          </p:cNvPicPr>
+          <p:nvPr/>
+        </p:nvPicPr>
+        <p:blipFill>
+          <a:blip r:embed="rId4"/>
+          <a:stretch>
+            <a:fillRect/>
+          </a:stretch>
+        </p:blipFill>
+        <p:spPr>
+          <a:xfrm>
+            <a:off x="3060892" y="4428479"/>
+            <a:ext cx="8977138" cy="1539373"/>
           </a:xfrm>
           <a:prstGeom prst="rect">
             <a:avLst/>
@@ -4777,7 +5224,7 @@
     </p:spTree>
     <p:extLst>
       <p:ext uri="{BB962C8B-B14F-4D97-AF65-F5344CB8AC3E}">
-        <p14:creationId xmlns:p14="http://schemas.microsoft.com/office/powerpoint/2010/main" val="2674107316"/>
+        <p14:creationId xmlns:p14="http://schemas.microsoft.com/office/powerpoint/2010/main" val="1895432683"/>
       </p:ext>
     </p:extLst>
   </p:cSld>
@@ -4811,6 +5258,30 @@
           <a:chExt cx="0" cy="0"/>
         </a:xfrm>
       </p:grpSpPr>
+      <p:pic>
+        <p:nvPicPr>
+          <p:cNvPr id="4" name="Picture 3"/>
+          <p:cNvPicPr>
+            <a:picLocks noChangeAspect="1"/>
+          </p:cNvPicPr>
+          <p:nvPr/>
+        </p:nvPicPr>
+        <p:blipFill>
+          <a:blip r:embed="rId2"/>
+          <a:stretch>
+            <a:fillRect/>
+          </a:stretch>
+        </p:blipFill>
+        <p:spPr>
+          <a:xfrm>
+            <a:off x="2978954" y="0"/>
+            <a:ext cx="9014792" cy="6761093"/>
+          </a:xfrm>
+          <a:prstGeom prst="rect">
+            <a:avLst/>
+          </a:prstGeom>
+        </p:spPr>
+      </p:pic>
       <p:sp>
         <p:nvSpPr>
           <p:cNvPr id="7" name="TextBox 6"/>
@@ -4819,8 +5290,8 @@
         </p:nvSpPr>
         <p:spPr>
           <a:xfrm>
-            <a:off x="576470" y="675860"/>
-            <a:ext cx="11082130" cy="3508653"/>
+            <a:off x="576470" y="675861"/>
+            <a:ext cx="1600200" cy="646331"/>
           </a:xfrm>
           <a:prstGeom prst="rect">
             <a:avLst/>
@@ -4834,73 +5305,488 @@
           <a:lstStyle/>
           <a:p>
             <a:r>
-              <a:rPr lang="en-US" sz="2400" dirty="0" smtClean="0"/>
-              <a:t>Future Scope: </a:t>
+              <a:rPr lang="en-US" dirty="0" smtClean="0"/>
+              <a:t>Flask code</a:t>
             </a:r>
           </a:p>
           <a:p>
             <a:endParaRPr lang="en-US" dirty="0"/>
           </a:p>
+        </p:txBody>
+      </p:sp>
+    </p:spTree>
+    <p:extLst>
+      <p:ext uri="{BB962C8B-B14F-4D97-AF65-F5344CB8AC3E}">
+        <p14:creationId xmlns:p14="http://schemas.microsoft.com/office/powerpoint/2010/main" val="86801332"/>
+      </p:ext>
+    </p:extLst>
+  </p:cSld>
+  <p:clrMapOvr>
+    <a:masterClrMapping/>
+  </p:clrMapOvr>
+  <p:timing>
+    <p:tnLst>
+      <p:par>
+        <p:cTn id="1" dur="indefinite" restart="never" nodeType="tmRoot"/>
+      </p:par>
+    </p:tnLst>
+  </p:timing>
+</p:sld>
+</file>
+
+<file path=ppt/slides/slide24.xml><?xml version="1.0" encoding="utf-8"?>
+<p:sld xmlns:a="http://schemas.openxmlformats.org/drawingml/2006/main" xmlns:r="http://schemas.openxmlformats.org/officeDocument/2006/relationships" xmlns:p="http://schemas.openxmlformats.org/presentationml/2006/main">
+  <p:cSld>
+    <p:spTree>
+      <p:nvGrpSpPr>
+        <p:cNvPr id="1" name=""/>
+        <p:cNvGrpSpPr/>
+        <p:nvPr/>
+      </p:nvGrpSpPr>
+      <p:grpSpPr>
+        <a:xfrm>
+          <a:off x="0" y="0"/>
+          <a:ext cx="0" cy="0"/>
+          <a:chOff x="0" y="0"/>
+          <a:chExt cx="0" cy="0"/>
+        </a:xfrm>
+      </p:grpSpPr>
+      <p:sp>
+        <p:nvSpPr>
+          <p:cNvPr id="7" name="TextBox 6"/>
+          <p:cNvSpPr txBox="1"/>
+          <p:nvPr/>
+        </p:nvSpPr>
+        <p:spPr>
+          <a:xfrm>
+            <a:off x="576470" y="675861"/>
+            <a:ext cx="1600200" cy="2862322"/>
+          </a:xfrm>
+          <a:prstGeom prst="rect">
+            <a:avLst/>
+          </a:prstGeom>
+          <a:noFill/>
+        </p:spPr>
+        <p:txBody>
+          <a:bodyPr wrap="square" rtlCol="0">
+            <a:spAutoFit/>
+          </a:bodyPr>
+          <a:lstStyle/>
           <a:p>
             <a:r>
               <a:rPr lang="en-US" dirty="0" smtClean="0"/>
-              <a:t>Develop full stack app with </a:t>
+              <a:t>Flask code </a:t>
+            </a:r>
+          </a:p>
+          <a:p>
+            <a:endParaRPr lang="en-US" dirty="0"/>
+          </a:p>
+          <a:p>
+            <a:r>
+              <a:rPr lang="en-US" dirty="0" smtClean="0"/>
+              <a:t>(similar to </a:t>
             </a:r>
             <a:r>
               <a:rPr lang="en-US" dirty="0" err="1" smtClean="0"/>
-              <a:t>Mysql</a:t>
+              <a:t>jupyter</a:t>
             </a:r>
             <a:r>
               <a:rPr lang="en-US" dirty="0" smtClean="0"/>
-              <a:t> (using sql alchemy) , Mongo </a:t>
-            </a:r>
-            <a:r>
-              <a:rPr lang="en-US" dirty="0" err="1" smtClean="0"/>
-              <a:t>db</a:t>
-            </a:r>
+              <a:t> notebook saw earlier to predict data on new row selected)</a:t>
+            </a:r>
+          </a:p>
+          <a:p>
+            <a:endParaRPr lang="en-US" dirty="0"/>
+          </a:p>
+        </p:txBody>
+      </p:sp>
+      <p:pic>
+        <p:nvPicPr>
+          <p:cNvPr id="2" name="Picture 1"/>
+          <p:cNvPicPr>
+            <a:picLocks noChangeAspect="1"/>
+          </p:cNvPicPr>
+          <p:nvPr/>
+        </p:nvPicPr>
+        <p:blipFill>
+          <a:blip r:embed="rId2"/>
+          <a:stretch>
+            <a:fillRect/>
+          </a:stretch>
+        </p:blipFill>
+        <p:spPr>
+          <a:xfrm>
+            <a:off x="2484782" y="0"/>
+            <a:ext cx="9114183" cy="6835637"/>
+          </a:xfrm>
+          <a:prstGeom prst="rect">
+            <a:avLst/>
+          </a:prstGeom>
+        </p:spPr>
+      </p:pic>
+    </p:spTree>
+    <p:extLst>
+      <p:ext uri="{BB962C8B-B14F-4D97-AF65-F5344CB8AC3E}">
+        <p14:creationId xmlns:p14="http://schemas.microsoft.com/office/powerpoint/2010/main" val="2674107316"/>
+      </p:ext>
+    </p:extLst>
+  </p:cSld>
+  <p:clrMapOvr>
+    <a:masterClrMapping/>
+  </p:clrMapOvr>
+  <p:timing>
+    <p:tnLst>
+      <p:par>
+        <p:cTn id="1" dur="indefinite" restart="never" nodeType="tmRoot"/>
+      </p:par>
+    </p:tnLst>
+  </p:timing>
+</p:sld>
+</file>
+
+<file path=ppt/slides/slide25.xml><?xml version="1.0" encoding="utf-8"?>
+<p:sld xmlns:a="http://schemas.openxmlformats.org/drawingml/2006/main" xmlns:r="http://schemas.openxmlformats.org/officeDocument/2006/relationships" xmlns:p="http://schemas.openxmlformats.org/presentationml/2006/main">
+  <p:cSld>
+    <p:spTree>
+      <p:nvGrpSpPr>
+        <p:cNvPr id="1" name=""/>
+        <p:cNvGrpSpPr/>
+        <p:nvPr/>
+      </p:nvGrpSpPr>
+      <p:grpSpPr>
+        <a:xfrm>
+          <a:off x="0" y="0"/>
+          <a:ext cx="0" cy="0"/>
+          <a:chOff x="0" y="0"/>
+          <a:chExt cx="0" cy="0"/>
+        </a:xfrm>
+      </p:grpSpPr>
+      <p:sp>
+        <p:nvSpPr>
+          <p:cNvPr id="2" name="Title 1"/>
+          <p:cNvSpPr>
+            <a:spLocks noGrp="1"/>
+          </p:cNvSpPr>
+          <p:nvPr>
+            <p:ph type="title"/>
+          </p:nvPr>
+        </p:nvSpPr>
+        <p:spPr/>
+        <p:txBody>
+          <a:bodyPr>
+            <a:prstTxWarp prst="textArchUp">
+              <a:avLst/>
+            </a:prstTxWarp>
+          </a:bodyPr>
+          <a:lstStyle/>
+          <a:p>
+            <a:r>
+              <a:rPr lang="en-US" b="1" dirty="0" smtClean="0">
+                <a:ln w="22225">
+                  <a:solidFill>
+                    <a:schemeClr val="accent2"/>
+                  </a:solidFill>
+                  <a:prstDash val="solid"/>
+                </a:ln>
+                <a:solidFill>
+                  <a:schemeClr val="accent2">
+                    <a:lumMod val="40000"/>
+                    <a:lumOff val="60000"/>
+                  </a:schemeClr>
+                </a:solidFill>
+              </a:rPr>
+              <a:t>Flask App For entering new data and get predicted car value</a:t>
+            </a:r>
+            <a:endParaRPr lang="en-US" b="1" dirty="0">
+              <a:ln w="22225">
+                <a:solidFill>
+                  <a:schemeClr val="accent2"/>
+                </a:solidFill>
+                <a:prstDash val="solid"/>
+              </a:ln>
+              <a:solidFill>
+                <a:schemeClr val="accent2">
+                  <a:lumMod val="40000"/>
+                  <a:lumOff val="60000"/>
+                </a:schemeClr>
+              </a:solidFill>
+            </a:endParaRPr>
+          </a:p>
+        </p:txBody>
+      </p:sp>
+      <p:pic>
+        <p:nvPicPr>
+          <p:cNvPr id="8" name="Picture 7"/>
+          <p:cNvPicPr>
+            <a:picLocks noChangeAspect="1"/>
+          </p:cNvPicPr>
+          <p:nvPr/>
+        </p:nvPicPr>
+        <p:blipFill>
+          <a:blip r:embed="rId2"/>
+          <a:stretch>
+            <a:fillRect/>
+          </a:stretch>
+        </p:blipFill>
+        <p:spPr>
+          <a:xfrm>
+            <a:off x="1109613" y="933897"/>
+            <a:ext cx="9064197" cy="3723446"/>
+          </a:xfrm>
+          <a:prstGeom prst="rect">
+            <a:avLst/>
+          </a:prstGeom>
+        </p:spPr>
+      </p:pic>
+      <p:pic>
+        <p:nvPicPr>
+          <p:cNvPr id="9" name="Picture 8"/>
+          <p:cNvPicPr>
+            <a:picLocks noChangeAspect="1"/>
+          </p:cNvPicPr>
+          <p:nvPr/>
+        </p:nvPicPr>
+        <p:blipFill>
+          <a:blip r:embed="rId3"/>
+          <a:stretch>
+            <a:fillRect/>
+          </a:stretch>
+        </p:blipFill>
+        <p:spPr>
+          <a:xfrm>
+            <a:off x="1109613" y="4580878"/>
+            <a:ext cx="8368174" cy="1997890"/>
+          </a:xfrm>
+          <a:prstGeom prst="rect">
+            <a:avLst/>
+          </a:prstGeom>
+        </p:spPr>
+      </p:pic>
+    </p:spTree>
+    <p:extLst>
+      <p:ext uri="{BB962C8B-B14F-4D97-AF65-F5344CB8AC3E}">
+        <p14:creationId xmlns:p14="http://schemas.microsoft.com/office/powerpoint/2010/main" val="3290554457"/>
+      </p:ext>
+    </p:extLst>
+  </p:cSld>
+  <p:clrMapOvr>
+    <a:masterClrMapping/>
+  </p:clrMapOvr>
+  <p:timing>
+    <p:tnLst>
+      <p:par>
+        <p:cTn id="1" dur="indefinite" restart="never" nodeType="tmRoot"/>
+      </p:par>
+    </p:tnLst>
+  </p:timing>
+</p:sld>
+</file>
+
+<file path=ppt/slides/slide26.xml><?xml version="1.0" encoding="utf-8"?>
+<p:sld xmlns:a="http://schemas.openxmlformats.org/drawingml/2006/main" xmlns:r="http://schemas.openxmlformats.org/officeDocument/2006/relationships" xmlns:p="http://schemas.openxmlformats.org/presentationml/2006/main">
+  <p:cSld>
+    <p:spTree>
+      <p:nvGrpSpPr>
+        <p:cNvPr id="1" name=""/>
+        <p:cNvGrpSpPr/>
+        <p:nvPr/>
+      </p:nvGrpSpPr>
+      <p:grpSpPr>
+        <a:xfrm>
+          <a:off x="0" y="0"/>
+          <a:ext cx="0" cy="0"/>
+          <a:chOff x="0" y="0"/>
+          <a:chExt cx="0" cy="0"/>
+        </a:xfrm>
+      </p:grpSpPr>
+      <p:sp>
+        <p:nvSpPr>
+          <p:cNvPr id="2" name="Title 1"/>
+          <p:cNvSpPr>
+            <a:spLocks noGrp="1"/>
+          </p:cNvSpPr>
+          <p:nvPr>
+            <p:ph type="title"/>
+          </p:nvPr>
+        </p:nvSpPr>
+        <p:spPr/>
+        <p:txBody>
+          <a:bodyPr>
+            <a:prstTxWarp prst="textArchUp">
+              <a:avLst/>
+            </a:prstTxWarp>
+          </a:bodyPr>
+          <a:lstStyle/>
+          <a:p>
+            <a:r>
+              <a:rPr lang="en-US" b="1" dirty="0" smtClean="0">
+                <a:ln w="22225">
+                  <a:solidFill>
+                    <a:schemeClr val="accent2"/>
+                  </a:solidFill>
+                  <a:prstDash val="solid"/>
+                </a:ln>
+                <a:solidFill>
+                  <a:schemeClr val="accent2">
+                    <a:lumMod val="40000"/>
+                    <a:lumOff val="60000"/>
+                  </a:schemeClr>
+                </a:solidFill>
+              </a:rPr>
+              <a:t>Flask App For entering new data and get predicted car value</a:t>
+            </a:r>
+            <a:endParaRPr lang="en-US" b="1" dirty="0">
+              <a:ln w="22225">
+                <a:solidFill>
+                  <a:schemeClr val="accent2"/>
+                </a:solidFill>
+                <a:prstDash val="solid"/>
+              </a:ln>
+              <a:solidFill>
+                <a:schemeClr val="accent2">
+                  <a:lumMod val="40000"/>
+                  <a:lumOff val="60000"/>
+                </a:schemeClr>
+              </a:solidFill>
+            </a:endParaRPr>
+          </a:p>
+        </p:txBody>
+      </p:sp>
+      <p:pic>
+        <p:nvPicPr>
+          <p:cNvPr id="3" name="Picture 2"/>
+          <p:cNvPicPr>
+            <a:picLocks noChangeAspect="1"/>
+          </p:cNvPicPr>
+          <p:nvPr/>
+        </p:nvPicPr>
+        <p:blipFill>
+          <a:blip r:embed="rId2"/>
+          <a:stretch>
+            <a:fillRect/>
+          </a:stretch>
+        </p:blipFill>
+        <p:spPr>
+          <a:xfrm>
+            <a:off x="800619" y="916353"/>
+            <a:ext cx="8630764" cy="3578734"/>
+          </a:xfrm>
+          <a:prstGeom prst="rect">
+            <a:avLst/>
+          </a:prstGeom>
+        </p:spPr>
+      </p:pic>
+      <p:pic>
+        <p:nvPicPr>
+          <p:cNvPr id="6" name="Picture 5"/>
+          <p:cNvPicPr>
+            <a:picLocks noChangeAspect="1"/>
+          </p:cNvPicPr>
+          <p:nvPr/>
+        </p:nvPicPr>
+        <p:blipFill>
+          <a:blip r:embed="rId3"/>
+          <a:stretch>
+            <a:fillRect/>
+          </a:stretch>
+        </p:blipFill>
+        <p:spPr>
+          <a:xfrm>
+            <a:off x="838200" y="4495087"/>
+            <a:ext cx="9098765" cy="2170209"/>
+          </a:xfrm>
+          <a:prstGeom prst="rect">
+            <a:avLst/>
+          </a:prstGeom>
+        </p:spPr>
+      </p:pic>
+    </p:spTree>
+    <p:extLst>
+      <p:ext uri="{BB962C8B-B14F-4D97-AF65-F5344CB8AC3E}">
+        <p14:creationId xmlns:p14="http://schemas.microsoft.com/office/powerpoint/2010/main" val="1003408636"/>
+      </p:ext>
+    </p:extLst>
+  </p:cSld>
+  <p:clrMapOvr>
+    <a:masterClrMapping/>
+  </p:clrMapOvr>
+  <p:timing>
+    <p:tnLst>
+      <p:par>
+        <p:cTn id="1" dur="indefinite" restart="never" nodeType="tmRoot"/>
+      </p:par>
+    </p:tnLst>
+  </p:timing>
+</p:sld>
+</file>
+
+<file path=ppt/slides/slide27.xml><?xml version="1.0" encoding="utf-8"?>
+<p:sld xmlns:a="http://schemas.openxmlformats.org/drawingml/2006/main" xmlns:r="http://schemas.openxmlformats.org/officeDocument/2006/relationships" xmlns:p="http://schemas.openxmlformats.org/presentationml/2006/main">
+  <p:cSld>
+    <p:spTree>
+      <p:nvGrpSpPr>
+        <p:cNvPr id="1" name=""/>
+        <p:cNvGrpSpPr/>
+        <p:nvPr/>
+      </p:nvGrpSpPr>
+      <p:grpSpPr>
+        <a:xfrm>
+          <a:off x="0" y="0"/>
+          <a:ext cx="0" cy="0"/>
+          <a:chOff x="0" y="0"/>
+          <a:chExt cx="0" cy="0"/>
+        </a:xfrm>
+      </p:grpSpPr>
+      <p:pic>
+        <p:nvPicPr>
+          <p:cNvPr id="2" name="Picture 1"/>
+          <p:cNvPicPr>
+            <a:picLocks noChangeAspect="1"/>
+          </p:cNvPicPr>
+          <p:nvPr/>
+        </p:nvPicPr>
+        <p:blipFill>
+          <a:blip r:embed="rId2"/>
+          <a:stretch>
+            <a:fillRect/>
+          </a:stretch>
+        </p:blipFill>
+        <p:spPr>
+          <a:xfrm>
+            <a:off x="1530731" y="1033916"/>
+            <a:ext cx="7963590" cy="5243014"/>
+          </a:xfrm>
+          <a:prstGeom prst="rect">
+            <a:avLst/>
+          </a:prstGeom>
+        </p:spPr>
+      </p:pic>
+      <p:sp>
+        <p:nvSpPr>
+          <p:cNvPr id="3" name="TextBox 2"/>
+          <p:cNvSpPr txBox="1"/>
+          <p:nvPr/>
+        </p:nvSpPr>
+        <p:spPr>
+          <a:xfrm>
+            <a:off x="1454331" y="313509"/>
+            <a:ext cx="8961120" cy="369332"/>
+          </a:xfrm>
+          <a:prstGeom prst="rect">
+            <a:avLst/>
+          </a:prstGeom>
+          <a:noFill/>
+        </p:spPr>
+        <p:txBody>
+          <a:bodyPr wrap="square" rtlCol="0">
+            <a:spAutoFit/>
+          </a:bodyPr>
+          <a:lstStyle/>
+          <a:p>
             <a:r>
               <a:rPr lang="en-US" dirty="0" smtClean="0"/>
-              <a:t> and java script integration with Flask render template html files and full interactive web page with form to enter each field, capture form data and then predict using model to display data .</a:t>
-            </a:r>
-          </a:p>
-          <a:p>
-            <a:endParaRPr lang="en-US" dirty="0" smtClean="0"/>
-          </a:p>
-          <a:p>
-            <a:r>
-              <a:rPr lang="en-US" dirty="0" smtClean="0"/>
-              <a:t>Use similar approach with different </a:t>
-            </a:r>
-            <a:r>
-              <a:rPr lang="en-US" dirty="0" err="1" smtClean="0"/>
-              <a:t>model_selction</a:t>
-            </a:r>
-            <a:r>
-              <a:rPr lang="en-US" dirty="0" smtClean="0"/>
-              <a:t> classifiers for classification problem. </a:t>
-            </a:r>
-          </a:p>
-          <a:p>
-            <a:endParaRPr lang="en-US" dirty="0"/>
-          </a:p>
-          <a:p>
-            <a:r>
-              <a:rPr lang="en-US" dirty="0" smtClean="0"/>
-              <a:t>Make more robust modelling template that uses imputers and different scalers so that template can be reused (even though the modelling is empirical </a:t>
-            </a:r>
-            <a:r>
-              <a:rPr lang="en-US" dirty="0" err="1" smtClean="0"/>
-              <a:t>wrt</a:t>
-            </a:r>
-            <a:r>
-              <a:rPr lang="en-US" dirty="0" smtClean="0"/>
-              <a:t> to data).</a:t>
-            </a:r>
-          </a:p>
-          <a:p>
-            <a:endParaRPr lang="en-US" dirty="0"/>
-          </a:p>
-          <a:p>
+              <a:t>SQL Alchemy AutoMap Base</a:t>
+            </a:r>
             <a:endParaRPr lang="en-US" dirty="0"/>
           </a:p>
         </p:txBody>
@@ -4909,6 +5795,208 @@
     <p:extLst>
       <p:ext uri="{BB962C8B-B14F-4D97-AF65-F5344CB8AC3E}">
         <p14:creationId xmlns:p14="http://schemas.microsoft.com/office/powerpoint/2010/main" val="2824969767"/>
+      </p:ext>
+    </p:extLst>
+  </p:cSld>
+  <p:clrMapOvr>
+    <a:masterClrMapping/>
+  </p:clrMapOvr>
+  <p:timing>
+    <p:tnLst>
+      <p:par>
+        <p:cTn id="1" dur="indefinite" restart="never" nodeType="tmRoot"/>
+      </p:par>
+    </p:tnLst>
+  </p:timing>
+</p:sld>
+</file>
+
+<file path=ppt/slides/slide28.xml><?xml version="1.0" encoding="utf-8"?>
+<p:sld xmlns:a="http://schemas.openxmlformats.org/drawingml/2006/main" xmlns:r="http://schemas.openxmlformats.org/officeDocument/2006/relationships" xmlns:p="http://schemas.openxmlformats.org/presentationml/2006/main">
+  <p:cSld>
+    <p:spTree>
+      <p:nvGrpSpPr>
+        <p:cNvPr id="1" name=""/>
+        <p:cNvGrpSpPr/>
+        <p:nvPr/>
+      </p:nvGrpSpPr>
+      <p:grpSpPr>
+        <a:xfrm>
+          <a:off x="0" y="0"/>
+          <a:ext cx="0" cy="0"/>
+          <a:chOff x="0" y="0"/>
+          <a:chExt cx="0" cy="0"/>
+        </a:xfrm>
+      </p:grpSpPr>
+      <p:sp>
+        <p:nvSpPr>
+          <p:cNvPr id="3" name="TextBox 2"/>
+          <p:cNvSpPr txBox="1"/>
+          <p:nvPr/>
+        </p:nvSpPr>
+        <p:spPr>
+          <a:xfrm>
+            <a:off x="1517969" y="313509"/>
+            <a:ext cx="8961120" cy="369332"/>
+          </a:xfrm>
+          <a:prstGeom prst="rect">
+            <a:avLst/>
+          </a:prstGeom>
+          <a:noFill/>
+        </p:spPr>
+        <p:txBody>
+          <a:bodyPr wrap="square" rtlCol="0">
+            <a:spAutoFit/>
+          </a:bodyPr>
+          <a:lstStyle/>
+          <a:p>
+            <a:r>
+              <a:rPr lang="en-US" dirty="0" smtClean="0"/>
+              <a:t>Pickle off model and create form </a:t>
+            </a:r>
+            <a:r>
+              <a:rPr lang="en-US" dirty="0" err="1" smtClean="0"/>
+              <a:t>witg</a:t>
+            </a:r>
+            <a:r>
+              <a:rPr lang="en-US" dirty="0" smtClean="0"/>
+              <a:t> required features for getting cost</a:t>
+            </a:r>
+            <a:endParaRPr lang="en-US" dirty="0"/>
+          </a:p>
+        </p:txBody>
+      </p:sp>
+      <p:pic>
+        <p:nvPicPr>
+          <p:cNvPr id="4" name="Picture 3"/>
+          <p:cNvPicPr>
+            <a:picLocks noChangeAspect="1"/>
+          </p:cNvPicPr>
+          <p:nvPr/>
+        </p:nvPicPr>
+        <p:blipFill>
+          <a:blip r:embed="rId2"/>
+          <a:stretch>
+            <a:fillRect/>
+          </a:stretch>
+        </p:blipFill>
+        <p:spPr>
+          <a:xfrm>
+            <a:off x="1525339" y="1007779"/>
+            <a:ext cx="6790008" cy="5486875"/>
+          </a:xfrm>
+          <a:prstGeom prst="rect">
+            <a:avLst/>
+          </a:prstGeom>
+        </p:spPr>
+      </p:pic>
+    </p:spTree>
+    <p:extLst>
+      <p:ext uri="{BB962C8B-B14F-4D97-AF65-F5344CB8AC3E}">
+        <p14:creationId xmlns:p14="http://schemas.microsoft.com/office/powerpoint/2010/main" val="1013353129"/>
+      </p:ext>
+    </p:extLst>
+  </p:cSld>
+  <p:clrMapOvr>
+    <a:masterClrMapping/>
+  </p:clrMapOvr>
+  <p:timing>
+    <p:tnLst>
+      <p:par>
+        <p:cTn id="1" dur="indefinite" restart="never" nodeType="tmRoot"/>
+      </p:par>
+    </p:tnLst>
+  </p:timing>
+</p:sld>
+</file>
+
+<file path=ppt/slides/slide29.xml><?xml version="1.0" encoding="utf-8"?>
+<p:sld xmlns:a="http://schemas.openxmlformats.org/drawingml/2006/main" xmlns:r="http://schemas.openxmlformats.org/officeDocument/2006/relationships" xmlns:p="http://schemas.openxmlformats.org/presentationml/2006/main">
+  <p:cSld>
+    <p:spTree>
+      <p:nvGrpSpPr>
+        <p:cNvPr id="1" name=""/>
+        <p:cNvGrpSpPr/>
+        <p:nvPr/>
+      </p:nvGrpSpPr>
+      <p:grpSpPr>
+        <a:xfrm>
+          <a:off x="0" y="0"/>
+          <a:ext cx="0" cy="0"/>
+          <a:chOff x="0" y="0"/>
+          <a:chExt cx="0" cy="0"/>
+        </a:xfrm>
+      </p:grpSpPr>
+      <p:sp>
+        <p:nvSpPr>
+          <p:cNvPr id="3" name="TextBox 2"/>
+          <p:cNvSpPr txBox="1"/>
+          <p:nvPr/>
+        </p:nvSpPr>
+        <p:spPr>
+          <a:xfrm>
+            <a:off x="1517969" y="313509"/>
+            <a:ext cx="8961120" cy="369332"/>
+          </a:xfrm>
+          <a:prstGeom prst="rect">
+            <a:avLst/>
+          </a:prstGeom>
+          <a:noFill/>
+        </p:spPr>
+        <p:txBody>
+          <a:bodyPr wrap="square" rtlCol="0">
+            <a:spAutoFit/>
+          </a:bodyPr>
+          <a:lstStyle/>
+          <a:p>
+            <a:r>
+              <a:rPr lang="en-US" dirty="0" smtClean="0"/>
+              <a:t>Insert into </a:t>
+            </a:r>
+            <a:r>
+              <a:rPr lang="en-US" dirty="0" err="1" smtClean="0"/>
+              <a:t>db</a:t>
+            </a:r>
+            <a:r>
+              <a:rPr lang="en-US" dirty="0" smtClean="0"/>
+              <a:t> using sql </a:t>
+            </a:r>
+            <a:r>
+              <a:rPr lang="en-US" dirty="0" err="1" smtClean="0"/>
+              <a:t>alchmey</a:t>
+            </a:r>
+            <a:endParaRPr lang="en-US" dirty="0"/>
+          </a:p>
+        </p:txBody>
+      </p:sp>
+      <p:pic>
+        <p:nvPicPr>
+          <p:cNvPr id="2" name="Picture 1"/>
+          <p:cNvPicPr>
+            <a:picLocks noChangeAspect="1"/>
+          </p:cNvPicPr>
+          <p:nvPr/>
+        </p:nvPicPr>
+        <p:blipFill>
+          <a:blip r:embed="rId2"/>
+          <a:stretch>
+            <a:fillRect/>
+          </a:stretch>
+        </p:blipFill>
+        <p:spPr>
+          <a:xfrm>
+            <a:off x="1012498" y="1220049"/>
+            <a:ext cx="9609653" cy="5532599"/>
+          </a:xfrm>
+          <a:prstGeom prst="rect">
+            <a:avLst/>
+          </a:prstGeom>
+        </p:spPr>
+      </p:pic>
+    </p:spTree>
+    <p:extLst>
+      <p:ext uri="{BB962C8B-B14F-4D97-AF65-F5344CB8AC3E}">
+        <p14:creationId xmlns:p14="http://schemas.microsoft.com/office/powerpoint/2010/main" val="3748093095"/>
       </p:ext>
     </p:extLst>
   </p:cSld>
@@ -6274,6 +7362,482 @@
 </p:sld>
 </file>
 
+<file path=ppt/slides/slide30.xml><?xml version="1.0" encoding="utf-8"?>
+<p:sld xmlns:a="http://schemas.openxmlformats.org/drawingml/2006/main" xmlns:r="http://schemas.openxmlformats.org/officeDocument/2006/relationships" xmlns:p="http://schemas.openxmlformats.org/presentationml/2006/main">
+  <p:cSld>
+    <p:spTree>
+      <p:nvGrpSpPr>
+        <p:cNvPr id="1" name=""/>
+        <p:cNvGrpSpPr/>
+        <p:nvPr/>
+      </p:nvGrpSpPr>
+      <p:grpSpPr>
+        <a:xfrm>
+          <a:off x="0" y="0"/>
+          <a:ext cx="0" cy="0"/>
+          <a:chOff x="0" y="0"/>
+          <a:chExt cx="0" cy="0"/>
+        </a:xfrm>
+      </p:grpSpPr>
+      <p:sp>
+        <p:nvSpPr>
+          <p:cNvPr id="3" name="TextBox 2"/>
+          <p:cNvSpPr txBox="1"/>
+          <p:nvPr/>
+        </p:nvSpPr>
+        <p:spPr>
+          <a:xfrm>
+            <a:off x="1238401" y="339634"/>
+            <a:ext cx="8961120" cy="646331"/>
+          </a:xfrm>
+          <a:prstGeom prst="rect">
+            <a:avLst/>
+          </a:prstGeom>
+          <a:noFill/>
+        </p:spPr>
+        <p:txBody>
+          <a:bodyPr wrap="square" rtlCol="0">
+            <a:spAutoFit/>
+          </a:bodyPr>
+          <a:lstStyle/>
+          <a:p>
+            <a:r>
+              <a:rPr lang="en-US" dirty="0" smtClean="0"/>
+              <a:t>Predict cost on new features entered using pickle off object and update database cost field for</a:t>
+            </a:r>
+          </a:p>
+          <a:p>
+            <a:r>
+              <a:rPr lang="en-US" dirty="0"/>
+              <a:t>s</a:t>
+            </a:r>
+            <a:r>
+              <a:rPr lang="en-US" dirty="0" smtClean="0"/>
+              <a:t>ame row inserted above.</a:t>
+            </a:r>
+            <a:endParaRPr lang="en-US" dirty="0"/>
+          </a:p>
+        </p:txBody>
+      </p:sp>
+      <p:pic>
+        <p:nvPicPr>
+          <p:cNvPr id="4" name="Picture 3"/>
+          <p:cNvPicPr>
+            <a:picLocks noChangeAspect="1"/>
+          </p:cNvPicPr>
+          <p:nvPr/>
+        </p:nvPicPr>
+        <p:blipFill>
+          <a:blip r:embed="rId2"/>
+          <a:stretch>
+            <a:fillRect/>
+          </a:stretch>
+        </p:blipFill>
+        <p:spPr>
+          <a:xfrm>
+            <a:off x="1238401" y="1154747"/>
+            <a:ext cx="9053345" cy="5227773"/>
+          </a:xfrm>
+          <a:prstGeom prst="rect">
+            <a:avLst/>
+          </a:prstGeom>
+        </p:spPr>
+      </p:pic>
+    </p:spTree>
+    <p:extLst>
+      <p:ext uri="{BB962C8B-B14F-4D97-AF65-F5344CB8AC3E}">
+        <p14:creationId xmlns:p14="http://schemas.microsoft.com/office/powerpoint/2010/main" val="3121187793"/>
+      </p:ext>
+    </p:extLst>
+  </p:cSld>
+  <p:clrMapOvr>
+    <a:masterClrMapping/>
+  </p:clrMapOvr>
+  <p:timing>
+    <p:tnLst>
+      <p:par>
+        <p:cTn id="1" dur="indefinite" restart="never" nodeType="tmRoot"/>
+      </p:par>
+    </p:tnLst>
+  </p:timing>
+</p:sld>
+</file>
+
+<file path=ppt/slides/slide31.xml><?xml version="1.0" encoding="utf-8"?>
+<p:sld xmlns:a="http://schemas.openxmlformats.org/drawingml/2006/main" xmlns:r="http://schemas.openxmlformats.org/officeDocument/2006/relationships" xmlns:p="http://schemas.openxmlformats.org/presentationml/2006/main">
+  <p:cSld>
+    <p:spTree>
+      <p:nvGrpSpPr>
+        <p:cNvPr id="1" name=""/>
+        <p:cNvGrpSpPr/>
+        <p:nvPr/>
+      </p:nvGrpSpPr>
+      <p:grpSpPr>
+        <a:xfrm>
+          <a:off x="0" y="0"/>
+          <a:ext cx="0" cy="0"/>
+          <a:chOff x="0" y="0"/>
+          <a:chExt cx="0" cy="0"/>
+        </a:xfrm>
+      </p:grpSpPr>
+      <p:sp>
+        <p:nvSpPr>
+          <p:cNvPr id="3" name="TextBox 2"/>
+          <p:cNvSpPr txBox="1"/>
+          <p:nvPr/>
+        </p:nvSpPr>
+        <p:spPr>
+          <a:xfrm>
+            <a:off x="1238401" y="339634"/>
+            <a:ext cx="8961120" cy="369332"/>
+          </a:xfrm>
+          <a:prstGeom prst="rect">
+            <a:avLst/>
+          </a:prstGeom>
+          <a:noFill/>
+        </p:spPr>
+        <p:txBody>
+          <a:bodyPr wrap="square" rtlCol="0">
+            <a:spAutoFit/>
+          </a:bodyPr>
+          <a:lstStyle/>
+          <a:p>
+            <a:r>
+              <a:rPr lang="en-US" dirty="0" smtClean="0"/>
+              <a:t>Render html if data entered is not null</a:t>
+            </a:r>
+            <a:endParaRPr lang="en-US" dirty="0"/>
+          </a:p>
+        </p:txBody>
+      </p:sp>
+      <p:pic>
+        <p:nvPicPr>
+          <p:cNvPr id="2" name="Picture 1"/>
+          <p:cNvPicPr>
+            <a:picLocks noChangeAspect="1"/>
+          </p:cNvPicPr>
+          <p:nvPr/>
+        </p:nvPicPr>
+        <p:blipFill>
+          <a:blip r:embed="rId2"/>
+          <a:stretch>
+            <a:fillRect/>
+          </a:stretch>
+        </p:blipFill>
+        <p:spPr>
+          <a:xfrm>
+            <a:off x="1238401" y="2019219"/>
+            <a:ext cx="5303980" cy="1844200"/>
+          </a:xfrm>
+          <a:prstGeom prst="rect">
+            <a:avLst/>
+          </a:prstGeom>
+        </p:spPr>
+      </p:pic>
+    </p:spTree>
+    <p:extLst>
+      <p:ext uri="{BB962C8B-B14F-4D97-AF65-F5344CB8AC3E}">
+        <p14:creationId xmlns:p14="http://schemas.microsoft.com/office/powerpoint/2010/main" val="3596403026"/>
+      </p:ext>
+    </p:extLst>
+  </p:cSld>
+  <p:clrMapOvr>
+    <a:masterClrMapping/>
+  </p:clrMapOvr>
+  <p:timing>
+    <p:tnLst>
+      <p:par>
+        <p:cTn id="1" dur="indefinite" restart="never" nodeType="tmRoot"/>
+      </p:par>
+    </p:tnLst>
+  </p:timing>
+</p:sld>
+</file>
+
+<file path=ppt/slides/slide32.xml><?xml version="1.0" encoding="utf-8"?>
+<p:sld xmlns:a="http://schemas.openxmlformats.org/drawingml/2006/main" xmlns:r="http://schemas.openxmlformats.org/officeDocument/2006/relationships" xmlns:p="http://schemas.openxmlformats.org/presentationml/2006/main">
+  <p:cSld>
+    <p:spTree>
+      <p:nvGrpSpPr>
+        <p:cNvPr id="1" name=""/>
+        <p:cNvGrpSpPr/>
+        <p:nvPr/>
+      </p:nvGrpSpPr>
+      <p:grpSpPr>
+        <a:xfrm>
+          <a:off x="0" y="0"/>
+          <a:ext cx="0" cy="0"/>
+          <a:chOff x="0" y="0"/>
+          <a:chExt cx="0" cy="0"/>
+        </a:xfrm>
+      </p:grpSpPr>
+      <p:sp>
+        <p:nvSpPr>
+          <p:cNvPr id="7" name="TextBox 6"/>
+          <p:cNvSpPr txBox="1"/>
+          <p:nvPr/>
+        </p:nvSpPr>
+        <p:spPr>
+          <a:xfrm>
+            <a:off x="576470" y="675860"/>
+            <a:ext cx="11082130" cy="6832640"/>
+          </a:xfrm>
+          <a:prstGeom prst="rect">
+            <a:avLst/>
+          </a:prstGeom>
+          <a:noFill/>
+        </p:spPr>
+        <p:txBody>
+          <a:bodyPr wrap="square" rtlCol="0">
+            <a:spAutoFit/>
+          </a:bodyPr>
+          <a:lstStyle/>
+          <a:p>
+            <a:r>
+              <a:rPr lang="en-US" sz="4800" dirty="0" smtClean="0">
+                <a:solidFill>
+                  <a:schemeClr val="accent6">
+                    <a:lumMod val="75000"/>
+                  </a:schemeClr>
+                </a:solidFill>
+              </a:rPr>
+              <a:t>Summary:</a:t>
+            </a:r>
+          </a:p>
+          <a:p>
+            <a:endParaRPr lang="en-US" sz="2400" dirty="0"/>
+          </a:p>
+          <a:p>
+            <a:pPr marL="457200" indent="-457200">
+              <a:buFont typeface="+mj-lt"/>
+              <a:buAutoNum type="arabicPeriod"/>
+            </a:pPr>
+            <a:r>
+              <a:rPr lang="en-US" sz="2400" dirty="0" smtClean="0"/>
+              <a:t>	Did cleanup data and EDA to get some insights from graphs (like correlations between features , data distribution) etc. </a:t>
+            </a:r>
+          </a:p>
+          <a:p>
+            <a:pPr marL="457200" indent="-457200">
+              <a:buFont typeface="+mj-lt"/>
+              <a:buAutoNum type="arabicPeriod"/>
+            </a:pPr>
+            <a:r>
+              <a:rPr lang="en-US" sz="2400" dirty="0" smtClean="0"/>
+              <a:t>Simple model has three steps. </a:t>
+            </a:r>
+          </a:p>
+          <a:p>
+            <a:r>
+              <a:rPr lang="en-US" sz="2400" dirty="0" smtClean="0"/>
+              <a:t>	import, initialize ,fit and predict</a:t>
+            </a:r>
+          </a:p>
+          <a:p>
+            <a:pPr marL="457200" indent="-457200">
+              <a:buAutoNum type="arabicPeriod" startAt="3"/>
+            </a:pPr>
+            <a:r>
+              <a:rPr lang="en-US" sz="2400" dirty="0" smtClean="0"/>
+              <a:t>But Explored more robust modelling </a:t>
+            </a:r>
+            <a:r>
+              <a:rPr lang="en-US" sz="2400" dirty="0" err="1" smtClean="0"/>
+              <a:t>wrt</a:t>
+            </a:r>
+            <a:r>
+              <a:rPr lang="en-US" sz="2400" dirty="0" smtClean="0"/>
+              <a:t> to data interaction (as modelling is empirical 	with each data set) using data preprocessing (standard scaler, </a:t>
+            </a:r>
+            <a:r>
+              <a:rPr lang="en-US" sz="2400" dirty="0" err="1" smtClean="0"/>
+              <a:t>minmax</a:t>
+            </a:r>
+            <a:r>
+              <a:rPr lang="en-US" sz="2400" dirty="0" smtClean="0"/>
+              <a:t> </a:t>
+            </a:r>
+            <a:r>
+              <a:rPr lang="en-US" sz="2400" dirty="0" err="1" smtClean="0"/>
+              <a:t>sclaer</a:t>
+            </a:r>
+            <a:r>
+              <a:rPr lang="en-US" sz="2400" dirty="0" smtClean="0"/>
+              <a:t> </a:t>
+            </a:r>
+            <a:r>
+              <a:rPr lang="en-US" sz="2400" dirty="0" err="1" smtClean="0"/>
+              <a:t>etc</a:t>
+            </a:r>
+            <a:r>
+              <a:rPr lang="en-US" sz="2400" dirty="0" smtClean="0"/>
+              <a:t>), pipeline to combined multiple steps like scaling, model selection. Used OHE for categorical data. Used </a:t>
+            </a:r>
+            <a:r>
+              <a:rPr lang="en-US" sz="2400" dirty="0" err="1" smtClean="0"/>
+              <a:t>train_test</a:t>
+            </a:r>
+            <a:r>
+              <a:rPr lang="en-US" sz="2400" dirty="0" smtClean="0"/>
+              <a:t>-split and then k-fold cross validation to train the data. Used different hyper parameters for one of selected model with grid fit to get the bets parameter values and finalized the model based on best hyper parameters.</a:t>
+            </a:r>
+          </a:p>
+          <a:p>
+            <a:pPr marL="457200" indent="-457200">
+              <a:buAutoNum type="arabicPeriod" startAt="3"/>
+            </a:pPr>
+            <a:endParaRPr lang="en-US" sz="2400" dirty="0" smtClean="0"/>
+          </a:p>
+          <a:p>
+            <a:r>
+              <a:rPr lang="en-US" sz="2400" dirty="0"/>
+              <a:t>	</a:t>
+            </a:r>
+            <a:endParaRPr lang="en-US" sz="2400" dirty="0" smtClean="0"/>
+          </a:p>
+          <a:p>
+            <a:endParaRPr lang="en-US" dirty="0" smtClean="0"/>
+          </a:p>
+          <a:p>
+            <a:endParaRPr lang="en-US" dirty="0"/>
+          </a:p>
+          <a:p>
+            <a:endParaRPr lang="en-US" dirty="0"/>
+          </a:p>
+        </p:txBody>
+      </p:sp>
+    </p:spTree>
+    <p:extLst>
+      <p:ext uri="{BB962C8B-B14F-4D97-AF65-F5344CB8AC3E}">
+        <p14:creationId xmlns:p14="http://schemas.microsoft.com/office/powerpoint/2010/main" val="3346650193"/>
+      </p:ext>
+    </p:extLst>
+  </p:cSld>
+  <p:clrMapOvr>
+    <a:masterClrMapping/>
+  </p:clrMapOvr>
+  <p:timing>
+    <p:tnLst>
+      <p:par>
+        <p:cTn id="1" dur="indefinite" restart="never" nodeType="tmRoot"/>
+      </p:par>
+    </p:tnLst>
+  </p:timing>
+</p:sld>
+</file>
+
+<file path=ppt/slides/slide33.xml><?xml version="1.0" encoding="utf-8"?>
+<p:sld xmlns:a="http://schemas.openxmlformats.org/drawingml/2006/main" xmlns:r="http://schemas.openxmlformats.org/officeDocument/2006/relationships" xmlns:p="http://schemas.openxmlformats.org/presentationml/2006/main">
+  <p:cSld>
+    <p:spTree>
+      <p:nvGrpSpPr>
+        <p:cNvPr id="1" name=""/>
+        <p:cNvGrpSpPr/>
+        <p:nvPr/>
+      </p:nvGrpSpPr>
+      <p:grpSpPr>
+        <a:xfrm>
+          <a:off x="0" y="0"/>
+          <a:ext cx="0" cy="0"/>
+          <a:chOff x="0" y="0"/>
+          <a:chExt cx="0" cy="0"/>
+        </a:xfrm>
+      </p:grpSpPr>
+      <p:sp>
+        <p:nvSpPr>
+          <p:cNvPr id="7" name="TextBox 6"/>
+          <p:cNvSpPr txBox="1"/>
+          <p:nvPr/>
+        </p:nvSpPr>
+        <p:spPr>
+          <a:xfrm>
+            <a:off x="576470" y="675860"/>
+            <a:ext cx="11082130" cy="2677656"/>
+          </a:xfrm>
+          <a:prstGeom prst="rect">
+            <a:avLst/>
+          </a:prstGeom>
+          <a:noFill/>
+        </p:spPr>
+        <p:txBody>
+          <a:bodyPr wrap="square" rtlCol="0">
+            <a:spAutoFit/>
+          </a:bodyPr>
+          <a:lstStyle/>
+          <a:p>
+            <a:r>
+              <a:rPr lang="en-US" sz="2400" dirty="0" smtClean="0">
+                <a:solidFill>
+                  <a:schemeClr val="accent2"/>
+                </a:solidFill>
+              </a:rPr>
+              <a:t>Future Scope: </a:t>
+            </a:r>
+          </a:p>
+          <a:p>
+            <a:endParaRPr lang="en-US" dirty="0"/>
+          </a:p>
+          <a:p>
+            <a:r>
+              <a:rPr lang="en-US" dirty="0"/>
+              <a:t>Add handlers or explore a way for unseen new categorical data.</a:t>
+            </a:r>
+          </a:p>
+          <a:p>
+            <a:endParaRPr lang="en-US" dirty="0" smtClean="0"/>
+          </a:p>
+          <a:p>
+            <a:r>
+              <a:rPr lang="en-US" dirty="0" smtClean="0"/>
+              <a:t>Add more validation to form during data entry like not null validations, cross field validations and tool tips.</a:t>
+            </a:r>
+            <a:endParaRPr lang="en-US" dirty="0" smtClean="0"/>
+          </a:p>
+          <a:p>
+            <a:endParaRPr lang="en-US" dirty="0" smtClean="0"/>
+          </a:p>
+          <a:p>
+            <a:r>
+              <a:rPr lang="en-US" dirty="0" smtClean="0"/>
+              <a:t>Use similar approach with different </a:t>
+            </a:r>
+            <a:r>
+              <a:rPr lang="en-US" dirty="0" err="1" smtClean="0"/>
+              <a:t>model_selction</a:t>
+            </a:r>
+            <a:r>
+              <a:rPr lang="en-US" dirty="0" smtClean="0"/>
+              <a:t> classifiers for classification problem. </a:t>
+            </a:r>
+          </a:p>
+          <a:p>
+            <a:endParaRPr lang="en-US" dirty="0"/>
+          </a:p>
+          <a:p>
+            <a:endParaRPr lang="en-US" dirty="0"/>
+          </a:p>
+        </p:txBody>
+      </p:sp>
+    </p:spTree>
+    <p:extLst>
+      <p:ext uri="{BB962C8B-B14F-4D97-AF65-F5344CB8AC3E}">
+        <p14:creationId xmlns:p14="http://schemas.microsoft.com/office/powerpoint/2010/main" val="399166224"/>
+      </p:ext>
+    </p:extLst>
+  </p:cSld>
+  <p:clrMapOvr>
+    <a:masterClrMapping/>
+  </p:clrMapOvr>
+  <p:timing>
+    <p:tnLst>
+      <p:par>
+        <p:cTn id="1" dur="indefinite" restart="never" nodeType="tmRoot"/>
+      </p:par>
+    </p:tnLst>
+  </p:timing>
+</p:sld>
+</file>
+
 <file path=ppt/slides/slide4.xml><?xml version="1.0" encoding="utf-8"?>
 <p:sld xmlns:a="http://schemas.openxmlformats.org/drawingml/2006/main" xmlns:r="http://schemas.openxmlformats.org/officeDocument/2006/relationships" xmlns:p="http://schemas.openxmlformats.org/presentationml/2006/main">
   <p:cSld>
@@ -6876,7 +8440,7 @@
                   </a:schemeClr>
                 </a:solidFill>
               </a:rPr>
-              <a:t>Categorical One Hot </a:t>
+              <a:t>Categorical One Hot Encoding (need to check if we need to drop one of column for one values dummy variable trap concept, not sure if we need that if we are </a:t>
             </a:r>
             <a:r>
               <a:rPr lang="en-US" dirty="0" smtClean="0">
@@ -6886,17 +8450,7 @@
                   </a:schemeClr>
                 </a:solidFill>
               </a:rPr>
-              <a:t>Encoding (need to check if we need to drop one of column for one values dummy variable trap concept, not sure if we need that if we are </a:t>
-            </a:r>
-            <a:r>
-              <a:rPr lang="en-US" dirty="0" err="1" smtClean="0">
-                <a:solidFill>
-                  <a:schemeClr val="accent2">
-                    <a:lumMod val="75000"/>
-                  </a:schemeClr>
-                </a:solidFill>
-              </a:rPr>
-              <a:t>noyt</a:t>
+              <a:t>not </a:t>
             </a:r>
             <a:r>
               <a:rPr lang="en-US" dirty="0" smtClean="0">
@@ -6906,15 +8460,8 @@
                   </a:schemeClr>
                 </a:solidFill>
               </a:rPr>
-              <a:t> using pandas get dummies)</a:t>
-            </a:r>
-            <a:endParaRPr lang="en-US" dirty="0" smtClean="0">
-              <a:solidFill>
-                <a:schemeClr val="accent2">
-                  <a:lumMod val="75000"/>
-                </a:schemeClr>
-              </a:solidFill>
-            </a:endParaRPr>
+              <a:t>using pandas get dummies)</a:t>
+            </a:r>
           </a:p>
           <a:p>
             <a:endParaRPr lang="en-US" dirty="0"/>

--- a/Presentation.pptx
+++ b/Presentation.pptx
@@ -4746,8 +4746,17 @@
           <a:p>
             <a:r>
               <a:rPr lang="en-US" dirty="0"/>
-              <a:t>3 — Recommendation &amp; Conclusion</a:t>
-            </a:r>
+              <a:t>3 </a:t>
+            </a:r>
+            <a:r>
+              <a:rPr lang="en-US" dirty="0" smtClean="0"/>
+              <a:t>—Summary and Futur</a:t>
+            </a:r>
+            <a:r>
+              <a:rPr lang="en-US" dirty="0" smtClean="0"/>
+              <a:t>e Scope</a:t>
+            </a:r>
+            <a:endParaRPr lang="en-US" dirty="0"/>
           </a:p>
           <a:p>
             <a:endParaRPr lang="en-US" dirty="0"/>
@@ -7614,7 +7623,7 @@
             </a:pPr>
             <a:r>
               <a:rPr lang="en-US" sz="2400" dirty="0" smtClean="0"/>
-              <a:t>	Did cleanup data and EDA to get some insights from graphs (like correlations between features , data distribution) etc. </a:t>
+              <a:t>EDA to get some insights from graphs (like correlations between features , data distribution) etc. </a:t>
             </a:r>
           </a:p>
           <a:p>

--- a/Presentation.pptx
+++ b/Presentation.pptx
@@ -275,7 +275,7 @@
           <a:p>
             <a:fld id="{CF746985-0C0A-446F-9BF5-045C15D1A98C}" type="datetimeFigureOut">
               <a:rPr lang="en-US" smtClean="0"/>
-              <a:t>5/1/2019</a:t>
+              <a:t>5/4/2019</a:t>
             </a:fld>
             <a:endParaRPr lang="en-US"/>
           </a:p>
@@ -445,7 +445,7 @@
           <a:p>
             <a:fld id="{CF746985-0C0A-446F-9BF5-045C15D1A98C}" type="datetimeFigureOut">
               <a:rPr lang="en-US" smtClean="0"/>
-              <a:t>5/1/2019</a:t>
+              <a:t>5/4/2019</a:t>
             </a:fld>
             <a:endParaRPr lang="en-US"/>
           </a:p>
@@ -625,7 +625,7 @@
           <a:p>
             <a:fld id="{CF746985-0C0A-446F-9BF5-045C15D1A98C}" type="datetimeFigureOut">
               <a:rPr lang="en-US" smtClean="0"/>
-              <a:t>5/1/2019</a:t>
+              <a:t>5/4/2019</a:t>
             </a:fld>
             <a:endParaRPr lang="en-US"/>
           </a:p>
@@ -795,7 +795,7 @@
           <a:p>
             <a:fld id="{CF746985-0C0A-446F-9BF5-045C15D1A98C}" type="datetimeFigureOut">
               <a:rPr lang="en-US" smtClean="0"/>
-              <a:t>5/1/2019</a:t>
+              <a:t>5/4/2019</a:t>
             </a:fld>
             <a:endParaRPr lang="en-US"/>
           </a:p>
@@ -1041,7 +1041,7 @@
           <a:p>
             <a:fld id="{CF746985-0C0A-446F-9BF5-045C15D1A98C}" type="datetimeFigureOut">
               <a:rPr lang="en-US" smtClean="0"/>
-              <a:t>5/1/2019</a:t>
+              <a:t>5/4/2019</a:t>
             </a:fld>
             <a:endParaRPr lang="en-US"/>
           </a:p>
@@ -1273,7 +1273,7 @@
           <a:p>
             <a:fld id="{CF746985-0C0A-446F-9BF5-045C15D1A98C}" type="datetimeFigureOut">
               <a:rPr lang="en-US" smtClean="0"/>
-              <a:t>5/1/2019</a:t>
+              <a:t>5/4/2019</a:t>
             </a:fld>
             <a:endParaRPr lang="en-US"/>
           </a:p>
@@ -1640,7 +1640,7 @@
           <a:p>
             <a:fld id="{CF746985-0C0A-446F-9BF5-045C15D1A98C}" type="datetimeFigureOut">
               <a:rPr lang="en-US" smtClean="0"/>
-              <a:t>5/1/2019</a:t>
+              <a:t>5/4/2019</a:t>
             </a:fld>
             <a:endParaRPr lang="en-US"/>
           </a:p>
@@ -1758,7 +1758,7 @@
           <a:p>
             <a:fld id="{CF746985-0C0A-446F-9BF5-045C15D1A98C}" type="datetimeFigureOut">
               <a:rPr lang="en-US" smtClean="0"/>
-              <a:t>5/1/2019</a:t>
+              <a:t>5/4/2019</a:t>
             </a:fld>
             <a:endParaRPr lang="en-US"/>
           </a:p>
@@ -1853,7 +1853,7 @@
           <a:p>
             <a:fld id="{CF746985-0C0A-446F-9BF5-045C15D1A98C}" type="datetimeFigureOut">
               <a:rPr lang="en-US" smtClean="0"/>
-              <a:t>5/1/2019</a:t>
+              <a:t>5/4/2019</a:t>
             </a:fld>
             <a:endParaRPr lang="en-US"/>
           </a:p>
@@ -2130,7 +2130,7 @@
           <a:p>
             <a:fld id="{CF746985-0C0A-446F-9BF5-045C15D1A98C}" type="datetimeFigureOut">
               <a:rPr lang="en-US" smtClean="0"/>
-              <a:t>5/1/2019</a:t>
+              <a:t>5/4/2019</a:t>
             </a:fld>
             <a:endParaRPr lang="en-US"/>
           </a:p>
@@ -2383,7 +2383,7 @@
           <a:p>
             <a:fld id="{CF746985-0C0A-446F-9BF5-045C15D1A98C}" type="datetimeFigureOut">
               <a:rPr lang="en-US" smtClean="0"/>
-              <a:t>5/1/2019</a:t>
+              <a:t>5/4/2019</a:t>
             </a:fld>
             <a:endParaRPr lang="en-US"/>
           </a:p>
@@ -2596,7 +2596,7 @@
           <a:p>
             <a:fld id="{CF746985-0C0A-446F-9BF5-045C15D1A98C}" type="datetimeFigureOut">
               <a:rPr lang="en-US" smtClean="0"/>
-              <a:t>5/1/2019</a:t>
+              <a:t>5/4/2019</a:t>
             </a:fld>
             <a:endParaRPr lang="en-US"/>
           </a:p>
@@ -3639,12 +3639,48 @@
         </p:blipFill>
         <p:spPr>
           <a:xfrm>
-            <a:off x="540908" y="79968"/>
-            <a:ext cx="2575783" cy="967824"/>
-          </a:xfrm>
-          <a:prstGeom prst="rect">
-            <a:avLst/>
+            <a:off x="126474" y="367351"/>
+            <a:ext cx="2580203" cy="1696580"/>
+          </a:xfrm>
+          <a:prstGeom prst="roundRect">
+            <a:avLst>
+              <a:gd name="adj" fmla="val 11111"/>
+            </a:avLst>
           </a:prstGeom>
+          <a:ln w="190500" cap="rnd">
+            <a:solidFill>
+              <a:schemeClr val="accent2">
+                <a:lumMod val="40000"/>
+                <a:lumOff val="60000"/>
+              </a:schemeClr>
+            </a:solidFill>
+            <a:prstDash val="solid"/>
+          </a:ln>
+          <a:effectLst>
+            <a:glow rad="228600">
+              <a:schemeClr val="accent4">
+                <a:satMod val="175000"/>
+                <a:alpha val="40000"/>
+              </a:schemeClr>
+            </a:glow>
+            <a:outerShdw blurRad="101600" dist="50800" dir="7200000" algn="tl" rotWithShape="0">
+              <a:srgbClr val="000000">
+                <a:alpha val="45000"/>
+              </a:srgbClr>
+            </a:outerShdw>
+          </a:effectLst>
+          <a:scene3d>
+            <a:camera prst="isometricOffAxis1Right"/>
+            <a:lightRig rig="threePt" dir="t">
+              <a:rot lat="0" lon="0" rev="19200000"/>
+            </a:lightRig>
+          </a:scene3d>
+          <a:sp3d extrusionH="25400">
+            <a:bevelT w="304800" h="152400" prst="hardEdge"/>
+            <a:extrusionClr>
+              <a:srgbClr val="FFFFFF"/>
+            </a:extrusionClr>
+          </a:sp3d>
         </p:spPr>
       </p:pic>
       <p:pic>
@@ -3669,6 +3705,23 @@
           <a:prstGeom prst="rect">
             <a:avLst/>
           </a:prstGeom>
+          <a:ln w="38100" cap="sq">
+            <a:solidFill>
+              <a:schemeClr val="accent1">
+                <a:lumMod val="60000"/>
+                <a:lumOff val="40000"/>
+              </a:schemeClr>
+            </a:solidFill>
+            <a:prstDash val="solid"/>
+            <a:miter lim="800000"/>
+          </a:ln>
+          <a:effectLst>
+            <a:outerShdw blurRad="50800" dist="38100" dir="2700000" algn="tl" rotWithShape="0">
+              <a:srgbClr val="000000">
+                <a:alpha val="43000"/>
+              </a:srgbClr>
+            </a:outerShdw>
+          </a:effectLst>
         </p:spPr>
       </p:pic>
       <p:pic>
@@ -3695,7 +3748,10 @@
           </a:prstGeom>
           <a:ln w="228600" cap="sq" cmpd="thickThin">
             <a:solidFill>
-              <a:srgbClr val="000000"/>
+              <a:schemeClr val="accent6">
+                <a:lumMod val="40000"/>
+                <a:lumOff val="60000"/>
+              </a:schemeClr>
             </a:solidFill>
             <a:prstDash val="solid"/>
             <a:miter lim="800000"/>
@@ -3729,7 +3785,37 @@
           <a:prstGeom prst="rect">
             <a:avLst/>
           </a:prstGeom>
-        </p:spPr>
+          <a:ln w="38100" cap="sq">
+            <a:solidFill>
+              <a:schemeClr val="accent2">
+                <a:lumMod val="75000"/>
+              </a:schemeClr>
+            </a:solidFill>
+            <a:prstDash val="solid"/>
+            <a:miter lim="800000"/>
+          </a:ln>
+          <a:effectLst>
+            <a:outerShdw blurRad="50800" dist="38100" dir="2700000" algn="tl" rotWithShape="0">
+              <a:srgbClr val="000000">
+                <a:alpha val="43000"/>
+              </a:srgbClr>
+            </a:outerShdw>
+          </a:effectLst>
+        </p:spPr>
+        <p:style>
+          <a:lnRef idx="1">
+            <a:schemeClr val="accent4"/>
+          </a:lnRef>
+          <a:fillRef idx="2">
+            <a:schemeClr val="accent4"/>
+          </a:fillRef>
+          <a:effectRef idx="1">
+            <a:schemeClr val="accent4"/>
+          </a:effectRef>
+          <a:fontRef idx="minor">
+            <a:schemeClr val="dk1"/>
+          </a:fontRef>
+        </p:style>
       </p:pic>
     </p:spTree>
     <p:extLst>
@@ -3741,6 +3827,158 @@
   <p:clrMapOvr>
     <a:masterClrMapping/>
   </p:clrMapOvr>
+  <p:timing>
+    <p:tnLst>
+      <p:par>
+        <p:cTn id="1" dur="indefinite" restart="never" nodeType="tmRoot">
+          <p:childTnLst>
+            <p:seq concurrent="1" nextAc="seek">
+              <p:cTn id="2" dur="indefinite" nodeType="mainSeq">
+                <p:childTnLst>
+                  <p:par>
+                    <p:cTn id="3" fill="hold">
+                      <p:stCondLst>
+                        <p:cond delay="indefinite"/>
+                      </p:stCondLst>
+                      <p:childTnLst>
+                        <p:par>
+                          <p:cTn id="4" fill="hold">
+                            <p:stCondLst>
+                              <p:cond delay="0"/>
+                            </p:stCondLst>
+                            <p:childTnLst>
+                              <p:par>
+                                <p:cTn id="5" presetID="31" presetClass="entr" presetSubtype="0" fill="hold" nodeType="clickEffect">
+                                  <p:stCondLst>
+                                    <p:cond delay="0"/>
+                                  </p:stCondLst>
+                                  <p:childTnLst>
+                                    <p:set>
+                                      <p:cBhvr>
+                                        <p:cTn id="6" dur="1" fill="hold">
+                                          <p:stCondLst>
+                                            <p:cond delay="0"/>
+                                          </p:stCondLst>
+                                        </p:cTn>
+                                        <p:tgtEl>
+                                          <p:spTgt spid="4"/>
+                                        </p:tgtEl>
+                                        <p:attrNameLst>
+                                          <p:attrName>style.visibility</p:attrName>
+                                        </p:attrNameLst>
+                                      </p:cBhvr>
+                                      <p:to>
+                                        <p:strVal val="visible"/>
+                                      </p:to>
+                                    </p:set>
+                                    <p:anim calcmode="lin" valueType="num">
+                                      <p:cBhvr>
+                                        <p:cTn id="7" dur="1000" fill="hold"/>
+                                        <p:tgtEl>
+                                          <p:spTgt spid="4"/>
+                                        </p:tgtEl>
+                                        <p:attrNameLst>
+                                          <p:attrName>ppt_w</p:attrName>
+                                        </p:attrNameLst>
+                                      </p:cBhvr>
+                                      <p:tavLst>
+                                        <p:tav tm="0">
+                                          <p:val>
+                                            <p:fltVal val="0"/>
+                                          </p:val>
+                                        </p:tav>
+                                        <p:tav tm="100000">
+                                          <p:val>
+                                            <p:strVal val="#ppt_w"/>
+                                          </p:val>
+                                        </p:tav>
+                                      </p:tavLst>
+                                    </p:anim>
+                                    <p:anim calcmode="lin" valueType="num">
+                                      <p:cBhvr>
+                                        <p:cTn id="8" dur="1000" fill="hold"/>
+                                        <p:tgtEl>
+                                          <p:spTgt spid="4"/>
+                                        </p:tgtEl>
+                                        <p:attrNameLst>
+                                          <p:attrName>ppt_h</p:attrName>
+                                        </p:attrNameLst>
+                                      </p:cBhvr>
+                                      <p:tavLst>
+                                        <p:tav tm="0">
+                                          <p:val>
+                                            <p:fltVal val="0"/>
+                                          </p:val>
+                                        </p:tav>
+                                        <p:tav tm="100000">
+                                          <p:val>
+                                            <p:strVal val="#ppt_h"/>
+                                          </p:val>
+                                        </p:tav>
+                                      </p:tavLst>
+                                    </p:anim>
+                                    <p:anim calcmode="lin" valueType="num">
+                                      <p:cBhvr>
+                                        <p:cTn id="9" dur="1000" fill="hold"/>
+                                        <p:tgtEl>
+                                          <p:spTgt spid="4"/>
+                                        </p:tgtEl>
+                                        <p:attrNameLst>
+                                          <p:attrName>style.rotation</p:attrName>
+                                        </p:attrNameLst>
+                                      </p:cBhvr>
+                                      <p:tavLst>
+                                        <p:tav tm="0">
+                                          <p:val>
+                                            <p:fltVal val="90"/>
+                                          </p:val>
+                                        </p:tav>
+                                        <p:tav tm="100000">
+                                          <p:val>
+                                            <p:fltVal val="0"/>
+                                          </p:val>
+                                        </p:tav>
+                                      </p:tavLst>
+                                    </p:anim>
+                                    <p:animEffect transition="in" filter="fade">
+                                      <p:cBhvr>
+                                        <p:cTn id="10" dur="1000"/>
+                                        <p:tgtEl>
+                                          <p:spTgt spid="4"/>
+                                        </p:tgtEl>
+                                      </p:cBhvr>
+                                    </p:animEffect>
+                                  </p:childTnLst>
+                                </p:cTn>
+                              </p:par>
+                            </p:childTnLst>
+                          </p:cTn>
+                        </p:par>
+                      </p:childTnLst>
+                    </p:cTn>
+                  </p:par>
+                </p:childTnLst>
+              </p:cTn>
+              <p:prevCondLst>
+                <p:cond evt="onPrev" delay="0">
+                  <p:tgtEl>
+                    <p:sldTgt/>
+                  </p:tgtEl>
+                </p:cond>
+              </p:prevCondLst>
+              <p:nextCondLst>
+                <p:cond evt="onNext" delay="0">
+                  <p:tgtEl>
+                    <p:sldTgt/>
+                  </p:tgtEl>
+                </p:cond>
+              </p:nextCondLst>
+            </p:seq>
+          </p:childTnLst>
+        </p:cTn>
+      </p:par>
+    </p:tnLst>
+  </p:timing>
 </p:sld>
 </file>
 
@@ -4055,11 +4293,7 @@
           <a:p>
             <a:r>
               <a:rPr lang="en-US" dirty="0" smtClean="0"/>
-              <a:t>Now we tried </a:t>
-            </a:r>
-            <a:r>
-              <a:rPr lang="en-US" dirty="0" smtClean="0"/>
-              <a:t>tuning </a:t>
+              <a:t>Now we tried tuning </a:t>
             </a:r>
             <a:r>
               <a:rPr lang="en-US" dirty="0" err="1" smtClean="0"/>
@@ -4067,11 +4301,7 @@
             </a:r>
             <a:r>
               <a:rPr lang="en-US" dirty="0" smtClean="0"/>
-              <a:t> </a:t>
-            </a:r>
-            <a:r>
-              <a:rPr lang="en-US" dirty="0" smtClean="0"/>
-              <a:t>for better results using different hyper parameters like alpha , max iterations </a:t>
+              <a:t> for better results using different hyper parameters like alpha , max iterations </a:t>
             </a:r>
             <a:r>
               <a:rPr lang="en-US" dirty="0" err="1" smtClean="0"/>
@@ -4750,11 +4980,7 @@
             </a:r>
             <a:r>
               <a:rPr lang="en-US" dirty="0" smtClean="0"/>
-              <a:t>—Summary and Futur</a:t>
-            </a:r>
-            <a:r>
-              <a:rPr lang="en-US" dirty="0" smtClean="0"/>
-              <a:t>e Scope</a:t>
+              <a:t>—Summary and Future Scope</a:t>
             </a:r>
             <a:endParaRPr lang="en-US" dirty="0"/>
           </a:p>
@@ -4826,7 +5052,6 @@
               <a:rPr lang="en-US" dirty="0" smtClean="0"/>
               <a:t>Here is the call to new function with new data row to get prediction. </a:t>
             </a:r>
-            <a:endParaRPr lang="en-US" dirty="0" smtClean="0"/>
           </a:p>
           <a:p>
             <a:endParaRPr lang="en-US" dirty="0"/>
@@ -7800,7 +8025,6 @@
               <a:rPr lang="en-US" dirty="0" smtClean="0"/>
               <a:t>Add more validation to form during data entry like not null validations, cross field validations and tool tips.</a:t>
             </a:r>
-            <a:endParaRPr lang="en-US" dirty="0" smtClean="0"/>
           </a:p>
           <a:p>
             <a:endParaRPr lang="en-US" dirty="0" smtClean="0"/>
@@ -8449,27 +8673,7 @@
                   </a:schemeClr>
                 </a:solidFill>
               </a:rPr>
-              <a:t>Categorical One Hot Encoding (need to check if we need to drop one of column for one values dummy variable trap concept, not sure if we need that if we are </a:t>
-            </a:r>
-            <a:r>
-              <a:rPr lang="en-US" dirty="0" smtClean="0">
-                <a:solidFill>
-                  <a:schemeClr val="accent2">
-                    <a:lumMod val="75000"/>
-                  </a:schemeClr>
-                </a:solidFill>
-              </a:rPr>
-              <a:t>not </a:t>
-            </a:r>
-            <a:r>
-              <a:rPr lang="en-US" dirty="0" smtClean="0">
-                <a:solidFill>
-                  <a:schemeClr val="accent2">
-                    <a:lumMod val="75000"/>
-                  </a:schemeClr>
-                </a:solidFill>
-              </a:rPr>
-              <a:t>using pandas get dummies)</a:t>
+              <a:t>Categorical One Hot Encoding (need to check if we need to drop one of column for one values dummy variable trap concept, not sure if we need that if we are not using pandas get dummies)</a:t>
             </a:r>
           </a:p>
           <a:p>

--- a/Presentation.pptx
+++ b/Presentation.pptx
@@ -275,7 +275,7 @@
           <a:p>
             <a:fld id="{CF746985-0C0A-446F-9BF5-045C15D1A98C}" type="datetimeFigureOut">
               <a:rPr lang="en-US" smtClean="0"/>
-              <a:t>5/4/2019</a:t>
+              <a:t>5/6/2019</a:t>
             </a:fld>
             <a:endParaRPr lang="en-US"/>
           </a:p>
@@ -445,7 +445,7 @@
           <a:p>
             <a:fld id="{CF746985-0C0A-446F-9BF5-045C15D1A98C}" type="datetimeFigureOut">
               <a:rPr lang="en-US" smtClean="0"/>
-              <a:t>5/4/2019</a:t>
+              <a:t>5/6/2019</a:t>
             </a:fld>
             <a:endParaRPr lang="en-US"/>
           </a:p>
@@ -625,7 +625,7 @@
           <a:p>
             <a:fld id="{CF746985-0C0A-446F-9BF5-045C15D1A98C}" type="datetimeFigureOut">
               <a:rPr lang="en-US" smtClean="0"/>
-              <a:t>5/4/2019</a:t>
+              <a:t>5/6/2019</a:t>
             </a:fld>
             <a:endParaRPr lang="en-US"/>
           </a:p>
@@ -795,7 +795,7 @@
           <a:p>
             <a:fld id="{CF746985-0C0A-446F-9BF5-045C15D1A98C}" type="datetimeFigureOut">
               <a:rPr lang="en-US" smtClean="0"/>
-              <a:t>5/4/2019</a:t>
+              <a:t>5/6/2019</a:t>
             </a:fld>
             <a:endParaRPr lang="en-US"/>
           </a:p>
@@ -1041,7 +1041,7 @@
           <a:p>
             <a:fld id="{CF746985-0C0A-446F-9BF5-045C15D1A98C}" type="datetimeFigureOut">
               <a:rPr lang="en-US" smtClean="0"/>
-              <a:t>5/4/2019</a:t>
+              <a:t>5/6/2019</a:t>
             </a:fld>
             <a:endParaRPr lang="en-US"/>
           </a:p>
@@ -1273,7 +1273,7 @@
           <a:p>
             <a:fld id="{CF746985-0C0A-446F-9BF5-045C15D1A98C}" type="datetimeFigureOut">
               <a:rPr lang="en-US" smtClean="0"/>
-              <a:t>5/4/2019</a:t>
+              <a:t>5/6/2019</a:t>
             </a:fld>
             <a:endParaRPr lang="en-US"/>
           </a:p>
@@ -1640,7 +1640,7 @@
           <a:p>
             <a:fld id="{CF746985-0C0A-446F-9BF5-045C15D1A98C}" type="datetimeFigureOut">
               <a:rPr lang="en-US" smtClean="0"/>
-              <a:t>5/4/2019</a:t>
+              <a:t>5/6/2019</a:t>
             </a:fld>
             <a:endParaRPr lang="en-US"/>
           </a:p>
@@ -1758,7 +1758,7 @@
           <a:p>
             <a:fld id="{CF746985-0C0A-446F-9BF5-045C15D1A98C}" type="datetimeFigureOut">
               <a:rPr lang="en-US" smtClean="0"/>
-              <a:t>5/4/2019</a:t>
+              <a:t>5/6/2019</a:t>
             </a:fld>
             <a:endParaRPr lang="en-US"/>
           </a:p>
@@ -1853,7 +1853,7 @@
           <a:p>
             <a:fld id="{CF746985-0C0A-446F-9BF5-045C15D1A98C}" type="datetimeFigureOut">
               <a:rPr lang="en-US" smtClean="0"/>
-              <a:t>5/4/2019</a:t>
+              <a:t>5/6/2019</a:t>
             </a:fld>
             <a:endParaRPr lang="en-US"/>
           </a:p>
@@ -2130,7 +2130,7 @@
           <a:p>
             <a:fld id="{CF746985-0C0A-446F-9BF5-045C15D1A98C}" type="datetimeFigureOut">
               <a:rPr lang="en-US" smtClean="0"/>
-              <a:t>5/4/2019</a:t>
+              <a:t>5/6/2019</a:t>
             </a:fld>
             <a:endParaRPr lang="en-US"/>
           </a:p>
@@ -2383,7 +2383,7 @@
           <a:p>
             <a:fld id="{CF746985-0C0A-446F-9BF5-045C15D1A98C}" type="datetimeFigureOut">
               <a:rPr lang="en-US" smtClean="0"/>
-              <a:t>5/4/2019</a:t>
+              <a:t>5/6/2019</a:t>
             </a:fld>
             <a:endParaRPr lang="en-US"/>
           </a:p>
@@ -2596,7 +2596,7 @@
           <a:p>
             <a:fld id="{CF746985-0C0A-446F-9BF5-045C15D1A98C}" type="datetimeFigureOut">
               <a:rPr lang="en-US" smtClean="0"/>
-              <a:t>5/4/2019</a:t>
+              <a:t>5/6/2019</a:t>
             </a:fld>
             <a:endParaRPr lang="en-US"/>
           </a:p>
@@ -5750,7 +5750,7 @@
       </p:sp>
       <p:pic>
         <p:nvPicPr>
-          <p:cNvPr id="8" name="Picture 7"/>
+          <p:cNvPr id="3" name="Picture 2"/>
           <p:cNvPicPr>
             <a:picLocks noChangeAspect="1"/>
           </p:cNvPicPr>
@@ -5764,8 +5764,8 @@
         </p:blipFill>
         <p:spPr>
           <a:xfrm>
-            <a:off x="1109613" y="933897"/>
-            <a:ext cx="9064197" cy="3723446"/>
+            <a:off x="1775942" y="722948"/>
+            <a:ext cx="6677394" cy="3857930"/>
           </a:xfrm>
           <a:prstGeom prst="rect">
             <a:avLst/>
@@ -5774,7 +5774,7 @@
       </p:pic>
       <p:pic>
         <p:nvPicPr>
-          <p:cNvPr id="9" name="Picture 8"/>
+          <p:cNvPr id="4" name="Picture 3"/>
           <p:cNvPicPr>
             <a:picLocks noChangeAspect="1"/>
           </p:cNvPicPr>
@@ -5788,8 +5788,8 @@
         </p:blipFill>
         <p:spPr>
           <a:xfrm>
-            <a:off x="1109613" y="4580878"/>
-            <a:ext cx="8368174" cy="1997890"/>
+            <a:off x="1595336" y="4624264"/>
+            <a:ext cx="7905979" cy="2233736"/>
           </a:xfrm>
           <a:prstGeom prst="rect">
             <a:avLst/>
@@ -5888,7 +5888,7 @@
       </p:sp>
       <p:pic>
         <p:nvPicPr>
-          <p:cNvPr id="3" name="Picture 2"/>
+          <p:cNvPr id="4" name="Picture 3"/>
           <p:cNvPicPr>
             <a:picLocks noChangeAspect="1"/>
           </p:cNvPicPr>
@@ -5902,8 +5902,8 @@
         </p:blipFill>
         <p:spPr>
           <a:xfrm>
-            <a:off x="800619" y="916353"/>
-            <a:ext cx="8630764" cy="3578734"/>
+            <a:off x="2309743" y="742717"/>
+            <a:ext cx="5238921" cy="3660495"/>
           </a:xfrm>
           <a:prstGeom prst="rect">
             <a:avLst/>
@@ -5912,7 +5912,7 @@
       </p:pic>
       <p:pic>
         <p:nvPicPr>
-          <p:cNvPr id="6" name="Picture 5"/>
+          <p:cNvPr id="5" name="Picture 4"/>
           <p:cNvPicPr>
             <a:picLocks noChangeAspect="1"/>
           </p:cNvPicPr>
@@ -5926,8 +5926,8 @@
         </p:blipFill>
         <p:spPr>
           <a:xfrm>
-            <a:off x="838200" y="4495087"/>
-            <a:ext cx="9098765" cy="2170209"/>
+            <a:off x="1595336" y="4593424"/>
+            <a:ext cx="7696964" cy="2117418"/>
           </a:xfrm>
           <a:prstGeom prst="rect">
             <a:avLst/>

--- a/Presentation.pptx
+++ b/Presentation.pptx
@@ -7881,7 +7881,15 @@
             </a:r>
             <a:r>
               <a:rPr lang="en-US" sz="2400" dirty="0" smtClean="0"/>
-              <a:t> to data interaction (as modelling is empirical 	with each data set) using data preprocessing (standard scaler, </a:t>
+              <a:t> to data interaction (as modelling is empirical </a:t>
+            </a:r>
+            <a:r>
+              <a:rPr lang="en-US" sz="2400" dirty="0" smtClean="0"/>
+              <a:t>with </a:t>
+            </a:r>
+            <a:r>
+              <a:rPr lang="en-US" sz="2400" dirty="0" smtClean="0"/>
+              <a:t>each data set) using data preprocessing (standard scaler, </a:t>
             </a:r>
             <a:r>
               <a:rPr lang="en-US" sz="2400" dirty="0" err="1" smtClean="0"/>

--- a/Presentation.pptx
+++ b/Presentation.pptx
@@ -7873,15 +7873,7 @@
             </a:pPr>
             <a:r>
               <a:rPr lang="en-US" sz="2400" dirty="0" smtClean="0"/>
-              <a:t>But Explored more robust modelling </a:t>
-            </a:r>
-            <a:r>
-              <a:rPr lang="en-US" sz="2400" dirty="0" err="1" smtClean="0"/>
-              <a:t>wrt</a:t>
-            </a:r>
-            <a:r>
-              <a:rPr lang="en-US" sz="2400" dirty="0" smtClean="0"/>
-              <a:t> to data interaction (as modelling is empirical </a:t>
+              <a:t>But Explored more robust modelling wrt to data interaction (as modelling is empirical </a:t>
             </a:r>
             <a:r>
               <a:rPr lang="en-US" sz="2400" dirty="0" smtClean="0"/>
@@ -7900,28 +7892,28 @@
               <a:t> </a:t>
             </a:r>
             <a:r>
-              <a:rPr lang="en-US" sz="2400" dirty="0" err="1" smtClean="0"/>
-              <a:t>sclaer</a:t>
-            </a:r>
-            <a:r>
               <a:rPr lang="en-US" sz="2400" dirty="0" smtClean="0"/>
-              <a:t> </a:t>
-            </a:r>
-            <a:r>
-              <a:rPr lang="en-US" sz="2400" dirty="0" err="1" smtClean="0"/>
-              <a:t>etc</a:t>
+              <a:t>scalar etc.), </a:t>
             </a:r>
             <a:r>
               <a:rPr lang="en-US" sz="2400" dirty="0" smtClean="0"/>
-              <a:t>), pipeline to combined multiple steps like scaling, model selection. Used OHE for categorical data. Used </a:t>
-            </a:r>
-            <a:r>
-              <a:rPr lang="en-US" sz="2400" dirty="0" err="1" smtClean="0"/>
+              <a:t>pipeline to combined multiple steps like scaling, model selection. Used OHE for categorical data. Used </a:t>
+            </a:r>
+            <a:r>
+              <a:rPr lang="en-US" sz="2400" dirty="0" smtClean="0"/>
               <a:t>train_test</a:t>
             </a:r>
             <a:r>
+              <a:rPr lang="en-US" sz="2400" dirty="0"/>
+              <a:t>_</a:t>
+            </a:r>
+            <a:r>
               <a:rPr lang="en-US" sz="2400" dirty="0" smtClean="0"/>
-              <a:t>-split and then k-fold cross validation to train the data. Used different hyper parameters for one of selected model with grid fit to get the bets parameter values and finalized the model based on best hyper parameters.</a:t>
+              <a:t>split </a:t>
+            </a:r>
+            <a:r>
+              <a:rPr lang="en-US" sz="2400" dirty="0" smtClean="0"/>
+              <a:t>and then k-fold cross validation to train the data. Used different hyper parameters for one of selected model with grid fit to get the bets parameter values and finalized the model based on best hyper parameters.</a:t>
             </a:r>
           </a:p>
           <a:p>
@@ -8040,15 +8032,7 @@
           <a:p>
             <a:r>
               <a:rPr lang="en-US" dirty="0" smtClean="0"/>
-              <a:t>Use similar approach with different </a:t>
-            </a:r>
-            <a:r>
-              <a:rPr lang="en-US" dirty="0" err="1" smtClean="0"/>
-              <a:t>model_selction</a:t>
-            </a:r>
-            <a:r>
-              <a:rPr lang="en-US" dirty="0" smtClean="0"/>
-              <a:t> classifiers for classification problem. </a:t>
+              <a:t>Use similar approach with different model_selction classifiers for classification problem. </a:t>
             </a:r>
           </a:p>
           <a:p>
